--- a/docs/diagrams/LogicComponentSequenceDiagram.pptx
+++ b/docs/diagrams/LogicComponentSequenceDiagram.pptx
@@ -10,7 +10,7 @@
   <p:sldIdLst>
     <p:sldId id="266" r:id="rId2"/>
   </p:sldIdLst>
-  <p:sldSz cx="9144000" cy="6858000" type="screen4x3"/>
+  <p:sldSz cx="12192000" cy="6858000"/>
   <p:notesSz cx="6858000" cy="9144000"/>
   <p:defaultTextStyle>
     <a:defPPr>
@@ -110,12 +110,12 @@
   <p:extLst>
     <p:ext uri="{EFAFB233-063F-42B5-8137-9DF3F51BA10A}">
       <p15:sldGuideLst xmlns:p15="http://schemas.microsoft.com/office/powerpoint/2012/main">
-        <p15:guide id="1" orient="horz" pos="1488">
+        <p15:guide id="1" orient="horz" pos="1488" userDrawn="1">
           <p15:clr>
             <a:srgbClr val="A4A3A4"/>
           </p15:clr>
         </p15:guide>
-        <p15:guide id="2" pos="2880">
+        <p15:guide id="2" pos="3840" userDrawn="1">
           <p15:clr>
             <a:srgbClr val="A4A3A4"/>
           </p15:clr>
@@ -208,7 +208,7 @@
           <a:p>
             <a:fld id="{F5CC4B3F-88C1-4FFA-B1B6-F41C21DC6924}" type="datetimeFigureOut">
               <a:rPr lang="en-US" smtClean="0"/>
-              <a:t>12/15/2018</a:t>
+              <a:t>2/26/2019</a:t>
             </a:fld>
             <a:endParaRPr lang="en-US"/>
           </a:p>
@@ -226,8 +226,8 @@
         </p:nvSpPr>
         <p:spPr>
           <a:xfrm>
-            <a:off x="1143000" y="685800"/>
-            <a:ext cx="4572000" cy="3429000"/>
+            <a:off x="381000" y="685800"/>
+            <a:ext cx="6096000" cy="3429000"/>
           </a:xfrm>
           <a:prstGeom prst="rect">
             <a:avLst/>
@@ -502,7 +502,12 @@
             <p:ph type="sldImg"/>
           </p:nvPr>
         </p:nvSpPr>
-        <p:spPr/>
+        <p:spPr>
+          <a:xfrm>
+            <a:off x="381000" y="685800"/>
+            <a:ext cx="6096000" cy="3429000"/>
+          </a:xfrm>
+        </p:spPr>
       </p:sp>
       <p:sp>
         <p:nvSpPr>
@@ -588,8 +593,8 @@
         </p:nvSpPr>
         <p:spPr>
           <a:xfrm>
-            <a:off x="685800" y="2130425"/>
-            <a:ext cx="7772400" cy="1470025"/>
+            <a:off x="914400" y="2130426"/>
+            <a:ext cx="10363200" cy="1470025"/>
           </a:xfrm>
         </p:spPr>
         <p:txBody>
@@ -615,8 +620,8 @@
         </p:nvSpPr>
         <p:spPr>
           <a:xfrm>
-            <a:off x="1371600" y="3886200"/>
-            <a:ext cx="6400800" cy="1752600"/>
+            <a:off x="1828800" y="3886200"/>
+            <a:ext cx="8534400" cy="1752600"/>
           </a:xfrm>
         </p:spPr>
         <p:txBody>
@@ -738,7 +743,7 @@
           <a:p>
             <a:fld id="{78C97017-6FC3-485B-9764-EAC9E56C1D49}" type="datetimeFigureOut">
               <a:rPr lang="en-US" smtClean="0"/>
-              <a:t>12/15/2018</a:t>
+              <a:t>2/26/2019</a:t>
             </a:fld>
             <a:endParaRPr lang="en-US"/>
           </a:p>
@@ -906,7 +911,7 @@
           <a:p>
             <a:fld id="{78C97017-6FC3-485B-9764-EAC9E56C1D49}" type="datetimeFigureOut">
               <a:rPr lang="en-US" smtClean="0"/>
-              <a:t>12/15/2018</a:t>
+              <a:t>2/26/2019</a:t>
             </a:fld>
             <a:endParaRPr lang="en-US"/>
           </a:p>
@@ -996,8 +1001,8 @@
         </p:nvSpPr>
         <p:spPr>
           <a:xfrm>
-            <a:off x="6629400" y="274638"/>
-            <a:ext cx="2057400" cy="5851525"/>
+            <a:off x="8839200" y="274639"/>
+            <a:ext cx="2743200" cy="5851525"/>
           </a:xfrm>
         </p:spPr>
         <p:txBody>
@@ -1023,8 +1028,8 @@
         </p:nvSpPr>
         <p:spPr>
           <a:xfrm>
-            <a:off x="457200" y="274638"/>
-            <a:ext cx="6019800" cy="5851525"/>
+            <a:off x="609600" y="274639"/>
+            <a:ext cx="8026400" cy="5851525"/>
           </a:xfrm>
         </p:spPr>
         <p:txBody>
@@ -1084,7 +1089,7 @@
           <a:p>
             <a:fld id="{78C97017-6FC3-485B-9764-EAC9E56C1D49}" type="datetimeFigureOut">
               <a:rPr lang="en-US" smtClean="0"/>
-              <a:t>12/15/2018</a:t>
+              <a:t>2/26/2019</a:t>
             </a:fld>
             <a:endParaRPr lang="en-US"/>
           </a:p>
@@ -1252,7 +1257,7 @@
           <a:p>
             <a:fld id="{78C97017-6FC3-485B-9764-EAC9E56C1D49}" type="datetimeFigureOut">
               <a:rPr lang="en-US" smtClean="0"/>
-              <a:t>12/15/2018</a:t>
+              <a:t>2/26/2019</a:t>
             </a:fld>
             <a:endParaRPr lang="en-US"/>
           </a:p>
@@ -1342,8 +1347,8 @@
         </p:nvSpPr>
         <p:spPr>
           <a:xfrm>
-            <a:off x="722313" y="4406900"/>
-            <a:ext cx="7772400" cy="1362075"/>
+            <a:off x="963084" y="4406901"/>
+            <a:ext cx="10363200" cy="1362075"/>
           </a:xfrm>
         </p:spPr>
         <p:txBody>
@@ -1373,8 +1378,8 @@
         </p:nvSpPr>
         <p:spPr>
           <a:xfrm>
-            <a:off x="722313" y="2906713"/>
-            <a:ext cx="7772400" cy="1500187"/>
+            <a:off x="963084" y="2906713"/>
+            <a:ext cx="10363200" cy="1500187"/>
           </a:xfrm>
         </p:spPr>
         <p:txBody>
@@ -1497,7 +1502,7 @@
           <a:p>
             <a:fld id="{78C97017-6FC3-485B-9764-EAC9E56C1D49}" type="datetimeFigureOut">
               <a:rPr lang="en-US" smtClean="0"/>
-              <a:t>12/15/2018</a:t>
+              <a:t>2/26/2019</a:t>
             </a:fld>
             <a:endParaRPr lang="en-US"/>
           </a:p>
@@ -1609,8 +1614,8 @@
         </p:nvSpPr>
         <p:spPr>
           <a:xfrm>
-            <a:off x="457200" y="1600200"/>
-            <a:ext cx="4038600" cy="4525963"/>
+            <a:off x="609600" y="1600201"/>
+            <a:ext cx="5384800" cy="4525963"/>
           </a:xfrm>
         </p:spPr>
         <p:txBody>
@@ -1693,8 +1698,8 @@
         </p:nvSpPr>
         <p:spPr>
           <a:xfrm>
-            <a:off x="4648200" y="1600200"/>
-            <a:ext cx="4038600" cy="4525963"/>
+            <a:off x="6197600" y="1600201"/>
+            <a:ext cx="5384800" cy="4525963"/>
           </a:xfrm>
         </p:spPr>
         <p:txBody>
@@ -1782,7 +1787,7 @@
           <a:p>
             <a:fld id="{78C97017-6FC3-485B-9764-EAC9E56C1D49}" type="datetimeFigureOut">
               <a:rPr lang="en-US" smtClean="0"/>
-              <a:t>12/15/2018</a:t>
+              <a:t>2/26/2019</a:t>
             </a:fld>
             <a:endParaRPr lang="en-US"/>
           </a:p>
@@ -1898,8 +1903,8 @@
         </p:nvSpPr>
         <p:spPr>
           <a:xfrm>
-            <a:off x="457200" y="1535113"/>
-            <a:ext cx="4040188" cy="639762"/>
+            <a:off x="609600" y="1535113"/>
+            <a:ext cx="5386917" cy="639762"/>
           </a:xfrm>
         </p:spPr>
         <p:txBody>
@@ -1963,8 +1968,8 @@
         </p:nvSpPr>
         <p:spPr>
           <a:xfrm>
-            <a:off x="457200" y="2174875"/>
-            <a:ext cx="4040188" cy="3951288"/>
+            <a:off x="609600" y="2174875"/>
+            <a:ext cx="5386917" cy="3951288"/>
           </a:xfrm>
         </p:spPr>
         <p:txBody>
@@ -2047,8 +2052,8 @@
         </p:nvSpPr>
         <p:spPr>
           <a:xfrm>
-            <a:off x="4645025" y="1535113"/>
-            <a:ext cx="4041775" cy="639762"/>
+            <a:off x="6193368" y="1535113"/>
+            <a:ext cx="5389033" cy="639762"/>
           </a:xfrm>
         </p:spPr>
         <p:txBody>
@@ -2112,8 +2117,8 @@
         </p:nvSpPr>
         <p:spPr>
           <a:xfrm>
-            <a:off x="4645025" y="2174875"/>
-            <a:ext cx="4041775" cy="3951288"/>
+            <a:off x="6193368" y="2174875"/>
+            <a:ext cx="5389033" cy="3951288"/>
           </a:xfrm>
         </p:spPr>
         <p:txBody>
@@ -2201,7 +2206,7 @@
           <a:p>
             <a:fld id="{78C97017-6FC3-485B-9764-EAC9E56C1D49}" type="datetimeFigureOut">
               <a:rPr lang="en-US" smtClean="0"/>
-              <a:t>12/15/2018</a:t>
+              <a:t>2/26/2019</a:t>
             </a:fld>
             <a:endParaRPr lang="en-US"/>
           </a:p>
@@ -2318,7 +2323,7 @@
           <a:p>
             <a:fld id="{78C97017-6FC3-485B-9764-EAC9E56C1D49}" type="datetimeFigureOut">
               <a:rPr lang="en-US" smtClean="0"/>
-              <a:t>12/15/2018</a:t>
+              <a:t>2/26/2019</a:t>
             </a:fld>
             <a:endParaRPr lang="en-US"/>
           </a:p>
@@ -2413,7 +2418,7 @@
           <a:p>
             <a:fld id="{78C97017-6FC3-485B-9764-EAC9E56C1D49}" type="datetimeFigureOut">
               <a:rPr lang="en-US" smtClean="0"/>
-              <a:t>12/15/2018</a:t>
+              <a:t>2/26/2019</a:t>
             </a:fld>
             <a:endParaRPr lang="en-US"/>
           </a:p>
@@ -2503,8 +2508,8 @@
         </p:nvSpPr>
         <p:spPr>
           <a:xfrm>
-            <a:off x="457200" y="273050"/>
-            <a:ext cx="3008313" cy="1162050"/>
+            <a:off x="609601" y="273050"/>
+            <a:ext cx="4011084" cy="1162050"/>
           </a:xfrm>
         </p:spPr>
         <p:txBody>
@@ -2534,8 +2539,8 @@
         </p:nvSpPr>
         <p:spPr>
           <a:xfrm>
-            <a:off x="3575050" y="273050"/>
-            <a:ext cx="5111750" cy="5853113"/>
+            <a:off x="4766733" y="273051"/>
+            <a:ext cx="6815667" cy="5853113"/>
           </a:xfrm>
         </p:spPr>
         <p:txBody>
@@ -2618,8 +2623,8 @@
         </p:nvSpPr>
         <p:spPr>
           <a:xfrm>
-            <a:off x="457200" y="1435100"/>
-            <a:ext cx="3008313" cy="4691063"/>
+            <a:off x="609601" y="1435101"/>
+            <a:ext cx="4011084" cy="4691063"/>
           </a:xfrm>
         </p:spPr>
         <p:txBody>
@@ -2688,7 +2693,7 @@
           <a:p>
             <a:fld id="{78C97017-6FC3-485B-9764-EAC9E56C1D49}" type="datetimeFigureOut">
               <a:rPr lang="en-US" smtClean="0"/>
-              <a:t>12/15/2018</a:t>
+              <a:t>2/26/2019</a:t>
             </a:fld>
             <a:endParaRPr lang="en-US"/>
           </a:p>
@@ -2778,8 +2783,8 @@
         </p:nvSpPr>
         <p:spPr>
           <a:xfrm>
-            <a:off x="1792288" y="4800600"/>
-            <a:ext cx="5486400" cy="566738"/>
+            <a:off x="2389717" y="4800600"/>
+            <a:ext cx="7315200" cy="566738"/>
           </a:xfrm>
         </p:spPr>
         <p:txBody>
@@ -2809,8 +2814,8 @@
         </p:nvSpPr>
         <p:spPr>
           <a:xfrm>
-            <a:off x="1792288" y="612775"/>
-            <a:ext cx="5486400" cy="4114800"/>
+            <a:off x="2389717" y="612775"/>
+            <a:ext cx="7315200" cy="4114800"/>
           </a:xfrm>
         </p:spPr>
         <p:txBody>
@@ -2870,8 +2875,8 @@
         </p:nvSpPr>
         <p:spPr>
           <a:xfrm>
-            <a:off x="1792288" y="5367338"/>
-            <a:ext cx="5486400" cy="804862"/>
+            <a:off x="2389717" y="5367338"/>
+            <a:ext cx="7315200" cy="804862"/>
           </a:xfrm>
         </p:spPr>
         <p:txBody>
@@ -2940,7 +2945,7 @@
           <a:p>
             <a:fld id="{78C97017-6FC3-485B-9764-EAC9E56C1D49}" type="datetimeFigureOut">
               <a:rPr lang="en-US" smtClean="0"/>
-              <a:t>12/15/2018</a:t>
+              <a:t>2/26/2019</a:t>
             </a:fld>
             <a:endParaRPr lang="en-US"/>
           </a:p>
@@ -3035,8 +3040,8 @@
         </p:nvSpPr>
         <p:spPr>
           <a:xfrm>
-            <a:off x="457200" y="274638"/>
-            <a:ext cx="8229600" cy="1143000"/>
+            <a:off x="609600" y="274638"/>
+            <a:ext cx="10972800" cy="1143000"/>
           </a:xfrm>
           <a:prstGeom prst="rect">
             <a:avLst/>
@@ -3067,8 +3072,8 @@
         </p:nvSpPr>
         <p:spPr>
           <a:xfrm>
-            <a:off x="457200" y="1600200"/>
-            <a:ext cx="8229600" cy="4525963"/>
+            <a:off x="609600" y="1600201"/>
+            <a:ext cx="10972800" cy="4525963"/>
           </a:xfrm>
           <a:prstGeom prst="rect">
             <a:avLst/>
@@ -3128,8 +3133,8 @@
         </p:nvSpPr>
         <p:spPr>
           <a:xfrm>
-            <a:off x="457200" y="6356350"/>
-            <a:ext cx="2133600" cy="365125"/>
+            <a:off x="609600" y="6356351"/>
+            <a:ext cx="2844800" cy="365125"/>
           </a:xfrm>
           <a:prstGeom prst="rect">
             <a:avLst/>
@@ -3151,7 +3156,7 @@
           <a:p>
             <a:fld id="{78C97017-6FC3-485B-9764-EAC9E56C1D49}" type="datetimeFigureOut">
               <a:rPr lang="en-US" smtClean="0"/>
-              <a:t>12/15/2018</a:t>
+              <a:t>2/26/2019</a:t>
             </a:fld>
             <a:endParaRPr lang="en-US"/>
           </a:p>
@@ -3169,8 +3174,8 @@
         </p:nvSpPr>
         <p:spPr>
           <a:xfrm>
-            <a:off x="3124200" y="6356350"/>
-            <a:ext cx="2895600" cy="365125"/>
+            <a:off x="4165600" y="6356351"/>
+            <a:ext cx="3860800" cy="365125"/>
           </a:xfrm>
           <a:prstGeom prst="rect">
             <a:avLst/>
@@ -3206,8 +3211,8 @@
         </p:nvSpPr>
         <p:spPr>
           <a:xfrm>
-            <a:off x="6553200" y="6356350"/>
-            <a:ext cx="2133600" cy="365125"/>
+            <a:off x="8737600" y="6356351"/>
+            <a:ext cx="2844800" cy="365125"/>
           </a:xfrm>
           <a:prstGeom prst="rect">
             <a:avLst/>
@@ -3526,204 +3531,59 @@
           <a:chExt cx="0" cy="0"/>
         </a:xfrm>
       </p:grpSpPr>
-      <p:sp>
-        <p:nvSpPr>
-          <p:cNvPr id="2" name="Rectangle 62"/>
-          <p:cNvSpPr/>
-          <p:nvPr/>
-        </p:nvSpPr>
-        <p:spPr>
-          <a:xfrm>
-            <a:off x="1905000" y="2209800"/>
-            <a:ext cx="1093635" cy="346760"/>
-          </a:xfrm>
-          <a:prstGeom prst="rect">
-            <a:avLst/>
-          </a:prstGeom>
-          <a:solidFill>
-            <a:srgbClr val="00B050"/>
-          </a:solidFill>
-          <a:ln w="19050">
-            <a:solidFill>
-              <a:srgbClr val="00B050"/>
-            </a:solidFill>
-          </a:ln>
-          <a:effectLst/>
-        </p:spPr>
-        <p:style>
-          <a:lnRef idx="1">
-            <a:schemeClr val="accent2"/>
-          </a:lnRef>
-          <a:fillRef idx="2">
-            <a:schemeClr val="accent2"/>
-          </a:fillRef>
-          <a:effectRef idx="1">
-            <a:schemeClr val="accent2"/>
-          </a:effectRef>
-          <a:fontRef idx="minor">
-            <a:schemeClr val="dk1"/>
-          </a:fontRef>
-        </p:style>
-        <p:txBody>
-          <a:bodyPr rtlCol="0" anchor="ctr"/>
-          <a:lstStyle/>
-          <a:p>
-            <a:pPr algn="ctr"/>
-            <a:r>
-              <a:rPr lang="en-US" sz="1600" dirty="0">
-                <a:solidFill>
-                  <a:schemeClr val="bg1"/>
-                </a:solidFill>
-              </a:rPr>
-              <a:t>:UI</a:t>
-            </a:r>
-            <a:endParaRPr lang="en-SG" sz="1600" dirty="0">
-              <a:solidFill>
-                <a:schemeClr val="bg1"/>
-              </a:solidFill>
-            </a:endParaRPr>
-          </a:p>
-        </p:txBody>
-      </p:sp>
-      <p:cxnSp>
-        <p:nvCxnSpPr>
-          <p:cNvPr id="5" name="Straight Connector 4"/>
-          <p:cNvCxnSpPr>
-            <a:cxnSpLocks/>
-          </p:cNvCxnSpPr>
-          <p:nvPr/>
-        </p:nvCxnSpPr>
-        <p:spPr>
-          <a:xfrm>
-            <a:off x="2422261" y="2573471"/>
-            <a:ext cx="0" cy="2236189"/>
-          </a:xfrm>
-          <a:prstGeom prst="line">
-            <a:avLst/>
-          </a:prstGeom>
-          <a:ln w="19050">
-            <a:solidFill>
-              <a:srgbClr val="00B050"/>
-            </a:solidFill>
-            <a:prstDash val="sysDash"/>
-          </a:ln>
-          <a:effectLst/>
-        </p:spPr>
-        <p:style>
-          <a:lnRef idx="1">
-            <a:schemeClr val="accent1"/>
-          </a:lnRef>
-          <a:fillRef idx="2">
-            <a:schemeClr val="accent1"/>
-          </a:fillRef>
-          <a:effectRef idx="1">
-            <a:schemeClr val="accent1"/>
-          </a:effectRef>
-          <a:fontRef idx="minor">
-            <a:schemeClr val="dk1"/>
-          </a:fontRef>
-        </p:style>
-      </p:cxnSp>
-      <p:sp>
-        <p:nvSpPr>
-          <p:cNvPr id="6" name="Rectangle 5"/>
-          <p:cNvSpPr/>
-          <p:nvPr/>
-        </p:nvSpPr>
-        <p:spPr>
-          <a:xfrm>
-            <a:off x="2350253" y="2924166"/>
-            <a:ext cx="152400" cy="1733094"/>
-          </a:xfrm>
-          <a:prstGeom prst="rect">
-            <a:avLst/>
-          </a:prstGeom>
-          <a:solidFill>
-            <a:srgbClr val="00B050"/>
-          </a:solidFill>
-          <a:ln>
-            <a:solidFill>
-              <a:srgbClr val="00B050"/>
-            </a:solidFill>
-          </a:ln>
-          <a:effectLst/>
-        </p:spPr>
-        <p:style>
-          <a:lnRef idx="1">
-            <a:schemeClr val="accent3"/>
-          </a:lnRef>
-          <a:fillRef idx="2">
-            <a:schemeClr val="accent3"/>
-          </a:fillRef>
-          <a:effectRef idx="1">
-            <a:schemeClr val="accent3"/>
-          </a:effectRef>
-          <a:fontRef idx="minor">
-            <a:schemeClr val="dk1"/>
-          </a:fontRef>
-        </p:style>
-        <p:txBody>
-          <a:bodyPr rtlCol="0" anchor="ctr"/>
-          <a:lstStyle/>
-          <a:p>
-            <a:pPr algn="ctr"/>
-            <a:endParaRPr lang="en-SG" sz="1400">
-              <a:solidFill>
-                <a:schemeClr val="dk1"/>
-              </a:solidFill>
-            </a:endParaRPr>
-          </a:p>
-        </p:txBody>
-      </p:sp>
       <p:grpSp>
         <p:nvGrpSpPr>
-          <p:cNvPr id="7" name="Actor"/>
+          <p:cNvPr id="3" name="Group 2">
+            <a:extLst>
+              <a:ext uri="{FF2B5EF4-FFF2-40B4-BE49-F238E27FC236}">
+                <a16:creationId xmlns:a16="http://schemas.microsoft.com/office/drawing/2014/main" id="{8D297D26-981B-463A-A2CB-09CE48000127}"/>
+              </a:ext>
+            </a:extLst>
+          </p:cNvPr>
           <p:cNvGrpSpPr/>
           <p:nvPr/>
         </p:nvGrpSpPr>
         <p:grpSpPr>
           <a:xfrm>
-            <a:off x="910815" y="2146326"/>
-            <a:ext cx="324036" cy="573410"/>
-            <a:chOff x="3239901" y="4149080"/>
-            <a:chExt cx="648072" cy="1146820"/>
+            <a:off x="2434815" y="2146326"/>
+            <a:ext cx="7358322" cy="2667000"/>
+            <a:chOff x="910815" y="2146326"/>
+            <a:chExt cx="7358322" cy="2667000"/>
           </a:xfrm>
         </p:grpSpPr>
         <p:sp>
           <p:nvSpPr>
-            <p:cNvPr id="8" name="Flowchart: Connector 7"/>
+            <p:cNvPr id="2" name="Rectangle 62"/>
             <p:cNvSpPr/>
             <p:nvPr/>
           </p:nvSpPr>
           <p:spPr>
             <a:xfrm>
-              <a:off x="3419872" y="4149080"/>
-              <a:ext cx="288032" cy="288032"/>
+              <a:off x="1905000" y="2209800"/>
+              <a:ext cx="1093635" cy="346760"/>
             </a:xfrm>
-            <a:prstGeom prst="flowChartConnector">
+            <a:prstGeom prst="rect">
               <a:avLst/>
             </a:prstGeom>
             <a:solidFill>
-              <a:schemeClr val="bg1">
-                <a:lumMod val="85000"/>
-              </a:schemeClr>
+              <a:srgbClr val="00B050"/>
             </a:solidFill>
-            <a:ln w="28575">
+            <a:ln w="19050">
               <a:solidFill>
-                <a:schemeClr val="tx1"/>
+                <a:srgbClr val="00B050"/>
               </a:solidFill>
             </a:ln>
             <a:effectLst/>
           </p:spPr>
           <p:style>
             <a:lnRef idx="1">
-              <a:schemeClr val="accent4"/>
+              <a:schemeClr val="accent2"/>
             </a:lnRef>
             <a:fillRef idx="2">
-              <a:schemeClr val="accent4"/>
+              <a:schemeClr val="accent2"/>
             </a:fillRef>
             <a:effectRef idx="1">
-              <a:schemeClr val="accent4"/>
+              <a:schemeClr val="accent2"/>
             </a:effectRef>
             <a:fontRef idx="minor">
               <a:schemeClr val="dk1"/>
@@ -3734,42 +3594,55 @@
             <a:lstStyle/>
             <a:p>
               <a:pPr algn="ctr"/>
-              <a:endParaRPr lang="en-SG"/>
+              <a:r>
+                <a:rPr lang="en-US" sz="1600" dirty="0">
+                  <a:solidFill>
+                    <a:schemeClr val="bg1"/>
+                  </a:solidFill>
+                </a:rPr>
+                <a:t>:UI</a:t>
+              </a:r>
+              <a:endParaRPr lang="en-SG" sz="1600" dirty="0">
+                <a:solidFill>
+                  <a:schemeClr val="bg1"/>
+                </a:solidFill>
+              </a:endParaRPr>
             </a:p>
           </p:txBody>
         </p:sp>
         <p:cxnSp>
           <p:nvCxnSpPr>
-            <p:cNvPr id="9" name="Straight Connector 8"/>
+            <p:cNvPr id="5" name="Straight Connector 4"/>
             <p:cNvCxnSpPr>
-              <a:stCxn id="8" idx="4"/>
+              <a:cxnSpLocks/>
             </p:cNvCxnSpPr>
             <p:nvPr/>
           </p:nvCxnSpPr>
           <p:spPr>
             <a:xfrm>
-              <a:off x="3563888" y="4437112"/>
-              <a:ext cx="0" cy="504056"/>
+              <a:off x="2422261" y="2573471"/>
+              <a:ext cx="0" cy="2236189"/>
             </a:xfrm>
             <a:prstGeom prst="line">
               <a:avLst/>
             </a:prstGeom>
-            <a:ln w="28575">
+            <a:ln w="19050">
               <a:solidFill>
-                <a:schemeClr val="tx1"/>
+                <a:srgbClr val="00B050"/>
               </a:solidFill>
+              <a:prstDash val="sysDash"/>
             </a:ln>
             <a:effectLst/>
           </p:spPr>
           <p:style>
             <a:lnRef idx="1">
-              <a:schemeClr val="accent4"/>
+              <a:schemeClr val="accent1"/>
             </a:lnRef>
             <a:fillRef idx="2">
-              <a:schemeClr val="accent4"/>
+              <a:schemeClr val="accent1"/>
             </a:fillRef>
             <a:effectRef idx="1">
-              <a:schemeClr val="accent4"/>
+              <a:schemeClr val="accent1"/>
             </a:effectRef>
             <a:fontRef idx="minor">
               <a:schemeClr val="dk1"/>
@@ -3778,1196 +3651,24 @@
         </p:cxnSp>
         <p:sp>
           <p:nvSpPr>
-            <p:cNvPr id="10" name="Freeform 9"/>
+            <p:cNvPr id="6" name="Rectangle 5"/>
             <p:cNvSpPr/>
             <p:nvPr/>
           </p:nvSpPr>
           <p:spPr>
             <a:xfrm>
-              <a:off x="3324225" y="4933950"/>
-              <a:ext cx="479425" cy="361950"/>
-            </a:xfrm>
-            <a:custGeom>
-              <a:avLst/>
-              <a:gdLst>
-                <a:gd name="connsiteX0" fmla="*/ 0 w 479425"/>
-                <a:gd name="connsiteY0" fmla="*/ 355600 h 361950"/>
-                <a:gd name="connsiteX1" fmla="*/ 241300 w 479425"/>
-                <a:gd name="connsiteY1" fmla="*/ 0 h 361950"/>
-                <a:gd name="connsiteX2" fmla="*/ 479425 w 479425"/>
-                <a:gd name="connsiteY2" fmla="*/ 361950 h 361950"/>
-              </a:gdLst>
-              <a:ahLst/>
-              <a:cxnLst>
-                <a:cxn ang="0">
-                  <a:pos x="connsiteX0" y="connsiteY0"/>
-                </a:cxn>
-                <a:cxn ang="0">
-                  <a:pos x="connsiteX1" y="connsiteY1"/>
-                </a:cxn>
-                <a:cxn ang="0">
-                  <a:pos x="connsiteX2" y="connsiteY2"/>
-                </a:cxn>
-              </a:cxnLst>
-              <a:rect l="l" t="t" r="r" b="b"/>
-              <a:pathLst>
-                <a:path w="479425" h="361950">
-                  <a:moveTo>
-                    <a:pt x="0" y="355600"/>
-                  </a:moveTo>
-                  <a:lnTo>
-                    <a:pt x="241300" y="0"/>
-                  </a:lnTo>
-                  <a:lnTo>
-                    <a:pt x="479425" y="361950"/>
-                  </a:lnTo>
-                </a:path>
-              </a:pathLst>
-            </a:custGeom>
-            <a:noFill/>
-            <a:ln w="28575">
-              <a:solidFill>
-                <a:schemeClr val="tx1"/>
-              </a:solidFill>
-            </a:ln>
-            <a:effectLst/>
-          </p:spPr>
-          <p:style>
-            <a:lnRef idx="1">
-              <a:schemeClr val="accent4"/>
-            </a:lnRef>
-            <a:fillRef idx="2">
-              <a:schemeClr val="accent4"/>
-            </a:fillRef>
-            <a:effectRef idx="1">
-              <a:schemeClr val="accent4"/>
-            </a:effectRef>
-            <a:fontRef idx="minor">
-              <a:schemeClr val="dk1"/>
-            </a:fontRef>
-          </p:style>
-          <p:txBody>
-            <a:bodyPr rtlCol="0" anchor="ctr"/>
-            <a:lstStyle/>
-            <a:p>
-              <a:pPr algn="ctr"/>
-              <a:endParaRPr lang="en-SG"/>
-            </a:p>
-          </p:txBody>
-        </p:sp>
-        <p:cxnSp>
-          <p:nvCxnSpPr>
-            <p:cNvPr id="11" name="Straight Connector 10"/>
-            <p:cNvCxnSpPr/>
-            <p:nvPr/>
-          </p:nvCxnSpPr>
-          <p:spPr>
-            <a:xfrm>
-              <a:off x="3239901" y="4509120"/>
-              <a:ext cx="648072" cy="0"/>
-            </a:xfrm>
-            <a:prstGeom prst="line">
-              <a:avLst/>
-            </a:prstGeom>
-            <a:ln w="28575">
-              <a:solidFill>
-                <a:schemeClr val="tx1"/>
-              </a:solidFill>
-            </a:ln>
-            <a:effectLst/>
-          </p:spPr>
-          <p:style>
-            <a:lnRef idx="1">
-              <a:schemeClr val="accent4"/>
-            </a:lnRef>
-            <a:fillRef idx="2">
-              <a:schemeClr val="accent4"/>
-            </a:fillRef>
-            <a:effectRef idx="1">
-              <a:schemeClr val="accent4"/>
-            </a:effectRef>
-            <a:fontRef idx="minor">
-              <a:schemeClr val="dk1"/>
-            </a:fontRef>
-          </p:style>
-        </p:cxnSp>
-      </p:grpSp>
-      <p:sp>
-        <p:nvSpPr>
-          <p:cNvPr id="16" name="Rectangle 62"/>
-          <p:cNvSpPr/>
-          <p:nvPr/>
-        </p:nvSpPr>
-        <p:spPr>
-          <a:xfrm>
-            <a:off x="3560206" y="2217153"/>
-            <a:ext cx="1093635" cy="346760"/>
-          </a:xfrm>
-          <a:prstGeom prst="rect">
-            <a:avLst/>
-          </a:prstGeom>
-          <a:solidFill>
-            <a:srgbClr val="0070C0"/>
-          </a:solidFill>
-          <a:ln w="19050">
-            <a:solidFill>
-              <a:srgbClr val="0070C0"/>
-            </a:solidFill>
-          </a:ln>
-          <a:effectLst/>
-        </p:spPr>
-        <p:style>
-          <a:lnRef idx="1">
-            <a:schemeClr val="accent2"/>
-          </a:lnRef>
-          <a:fillRef idx="2">
-            <a:schemeClr val="accent2"/>
-          </a:fillRef>
-          <a:effectRef idx="1">
-            <a:schemeClr val="accent2"/>
-          </a:effectRef>
-          <a:fontRef idx="minor">
-            <a:schemeClr val="dk1"/>
-          </a:fontRef>
-        </p:style>
-        <p:txBody>
-          <a:bodyPr rtlCol="0" anchor="ctr"/>
-          <a:lstStyle/>
-          <a:p>
-            <a:pPr algn="ctr"/>
-            <a:r>
-              <a:rPr lang="en-US" sz="1600" dirty="0">
-                <a:solidFill>
-                  <a:schemeClr val="bg1"/>
-                </a:solidFill>
-              </a:rPr>
-              <a:t>:Logic</a:t>
-            </a:r>
-            <a:endParaRPr lang="en-SG" sz="1600" dirty="0">
-              <a:solidFill>
-                <a:schemeClr val="bg1"/>
-              </a:solidFill>
-            </a:endParaRPr>
-          </a:p>
-        </p:txBody>
-      </p:sp>
-      <p:cxnSp>
-        <p:nvCxnSpPr>
-          <p:cNvPr id="17" name="Straight Connector 16"/>
-          <p:cNvCxnSpPr>
-            <a:cxnSpLocks/>
-          </p:cNvCxnSpPr>
-          <p:nvPr/>
-        </p:nvCxnSpPr>
-        <p:spPr>
-          <a:xfrm>
-            <a:off x="4107023" y="2580824"/>
-            <a:ext cx="0" cy="2232502"/>
-          </a:xfrm>
-          <a:prstGeom prst="line">
-            <a:avLst/>
-          </a:prstGeom>
-          <a:ln w="19050">
-            <a:solidFill>
-              <a:srgbClr val="0070C0"/>
-            </a:solidFill>
-            <a:prstDash val="sysDash"/>
-          </a:ln>
-          <a:effectLst/>
-        </p:spPr>
-        <p:style>
-          <a:lnRef idx="1">
-            <a:schemeClr val="accent1"/>
-          </a:lnRef>
-          <a:fillRef idx="2">
-            <a:schemeClr val="accent1"/>
-          </a:fillRef>
-          <a:effectRef idx="1">
-            <a:schemeClr val="accent1"/>
-          </a:effectRef>
-          <a:fontRef idx="minor">
-            <a:schemeClr val="dk1"/>
-          </a:fontRef>
-        </p:style>
-      </p:cxnSp>
-      <p:sp>
-        <p:nvSpPr>
-          <p:cNvPr id="18" name="Rectangle 17"/>
-          <p:cNvSpPr/>
-          <p:nvPr/>
-        </p:nvSpPr>
-        <p:spPr>
-          <a:xfrm>
-            <a:off x="4035015" y="3039017"/>
-            <a:ext cx="152376" cy="1477495"/>
-          </a:xfrm>
-          <a:prstGeom prst="rect">
-            <a:avLst/>
-          </a:prstGeom>
-          <a:solidFill>
-            <a:srgbClr val="0070C0"/>
-          </a:solidFill>
-          <a:ln>
-            <a:solidFill>
-              <a:srgbClr val="0070C0"/>
-            </a:solidFill>
-          </a:ln>
-          <a:effectLst/>
-        </p:spPr>
-        <p:style>
-          <a:lnRef idx="1">
-            <a:schemeClr val="accent3"/>
-          </a:lnRef>
-          <a:fillRef idx="2">
-            <a:schemeClr val="accent3"/>
-          </a:fillRef>
-          <a:effectRef idx="1">
-            <a:schemeClr val="accent3"/>
-          </a:effectRef>
-          <a:fontRef idx="minor">
-            <a:schemeClr val="dk1"/>
-          </a:fontRef>
-        </p:style>
-        <p:txBody>
-          <a:bodyPr rtlCol="0" anchor="ctr"/>
-          <a:lstStyle/>
-          <a:p>
-            <a:pPr algn="ctr"/>
-            <a:endParaRPr lang="en-SG" sz="1400">
-              <a:solidFill>
-                <a:schemeClr val="dk1"/>
-              </a:solidFill>
-            </a:endParaRPr>
-          </a:p>
-        </p:txBody>
-      </p:sp>
-      <p:sp>
-        <p:nvSpPr>
-          <p:cNvPr id="19" name="Rectangle 62"/>
-          <p:cNvSpPr/>
-          <p:nvPr/>
-        </p:nvSpPr>
-        <p:spPr>
-          <a:xfrm>
-            <a:off x="5215412" y="2213466"/>
-            <a:ext cx="1093635" cy="346760"/>
-          </a:xfrm>
-          <a:prstGeom prst="rect">
-            <a:avLst/>
-          </a:prstGeom>
-          <a:solidFill>
-            <a:srgbClr val="7030A0"/>
-          </a:solidFill>
-          <a:ln w="19050">
-            <a:solidFill>
-              <a:srgbClr val="7030A0"/>
-            </a:solidFill>
-          </a:ln>
-          <a:effectLst/>
-        </p:spPr>
-        <p:style>
-          <a:lnRef idx="1">
-            <a:schemeClr val="accent2"/>
-          </a:lnRef>
-          <a:fillRef idx="2">
-            <a:schemeClr val="accent2"/>
-          </a:fillRef>
-          <a:effectRef idx="1">
-            <a:schemeClr val="accent2"/>
-          </a:effectRef>
-          <a:fontRef idx="minor">
-            <a:schemeClr val="dk1"/>
-          </a:fontRef>
-        </p:style>
-        <p:txBody>
-          <a:bodyPr rtlCol="0" anchor="ctr"/>
-          <a:lstStyle/>
-          <a:p>
-            <a:pPr algn="ctr"/>
-            <a:r>
-              <a:rPr lang="en-US" sz="1600" dirty="0">
-                <a:solidFill>
-                  <a:schemeClr val="bg1"/>
-                </a:solidFill>
-              </a:rPr>
-              <a:t>:Model</a:t>
-            </a:r>
-            <a:endParaRPr lang="en-SG" sz="1600" dirty="0">
-              <a:solidFill>
-                <a:schemeClr val="bg1"/>
-              </a:solidFill>
-            </a:endParaRPr>
-          </a:p>
-        </p:txBody>
-      </p:sp>
-      <p:cxnSp>
-        <p:nvCxnSpPr>
-          <p:cNvPr id="20" name="Straight Connector 19"/>
-          <p:cNvCxnSpPr>
-            <a:cxnSpLocks/>
-          </p:cNvCxnSpPr>
-          <p:nvPr/>
-        </p:nvCxnSpPr>
-        <p:spPr>
-          <a:xfrm>
-            <a:off x="5762229" y="2577137"/>
-            <a:ext cx="0" cy="2236189"/>
-          </a:xfrm>
-          <a:prstGeom prst="line">
-            <a:avLst/>
-          </a:prstGeom>
-          <a:ln w="19050">
-            <a:solidFill>
-              <a:srgbClr val="7030A0"/>
-            </a:solidFill>
-            <a:prstDash val="sysDash"/>
-          </a:ln>
-          <a:effectLst/>
-        </p:spPr>
-        <p:style>
-          <a:lnRef idx="1">
-            <a:schemeClr val="accent1"/>
-          </a:lnRef>
-          <a:fillRef idx="2">
-            <a:schemeClr val="accent1"/>
-          </a:fillRef>
-          <a:effectRef idx="1">
-            <a:schemeClr val="accent1"/>
-          </a:effectRef>
-          <a:fontRef idx="minor">
-            <a:schemeClr val="dk1"/>
-          </a:fontRef>
-        </p:style>
-      </p:cxnSp>
-      <p:sp>
-        <p:nvSpPr>
-          <p:cNvPr id="21" name="Rectangle 20"/>
-          <p:cNvSpPr/>
-          <p:nvPr/>
-        </p:nvSpPr>
-        <p:spPr>
-          <a:xfrm>
-            <a:off x="5690221" y="3143948"/>
-            <a:ext cx="142006" cy="476510"/>
-          </a:xfrm>
-          <a:prstGeom prst="rect">
-            <a:avLst/>
-          </a:prstGeom>
-          <a:solidFill>
-            <a:srgbClr val="7030A0"/>
-          </a:solidFill>
-          <a:ln>
-            <a:solidFill>
-              <a:srgbClr val="7030A0"/>
-            </a:solidFill>
-          </a:ln>
-          <a:effectLst/>
-        </p:spPr>
-        <p:style>
-          <a:lnRef idx="1">
-            <a:schemeClr val="accent3"/>
-          </a:lnRef>
-          <a:fillRef idx="2">
-            <a:schemeClr val="accent3"/>
-          </a:fillRef>
-          <a:effectRef idx="1">
-            <a:schemeClr val="accent3"/>
-          </a:effectRef>
-          <a:fontRef idx="minor">
-            <a:schemeClr val="dk1"/>
-          </a:fontRef>
-        </p:style>
-        <p:txBody>
-          <a:bodyPr rtlCol="0" anchor="ctr"/>
-          <a:lstStyle/>
-          <a:p>
-            <a:pPr algn="ctr"/>
-            <a:endParaRPr lang="en-SG" sz="1400">
-              <a:solidFill>
-                <a:schemeClr val="dk1"/>
-              </a:solidFill>
-            </a:endParaRPr>
-          </a:p>
-        </p:txBody>
-      </p:sp>
-      <p:cxnSp>
-        <p:nvCxnSpPr>
-          <p:cNvPr id="23" name="Straight Arrow Connector 22"/>
-          <p:cNvCxnSpPr>
-            <a:cxnSpLocks/>
-          </p:cNvCxnSpPr>
-          <p:nvPr/>
-        </p:nvCxnSpPr>
-        <p:spPr>
-          <a:xfrm flipV="1">
-            <a:off x="1263008" y="2931519"/>
-            <a:ext cx="1095607" cy="1"/>
-          </a:xfrm>
-          <a:prstGeom prst="straightConnector1">
-            <a:avLst/>
-          </a:prstGeom>
-          <a:ln w="19050">
-            <a:solidFill>
-              <a:schemeClr val="tx1"/>
-            </a:solidFill>
-            <a:tailEnd type="arrow"/>
-          </a:ln>
-        </p:spPr>
-        <p:style>
-          <a:lnRef idx="1">
-            <a:schemeClr val="accent1"/>
-          </a:lnRef>
-          <a:fillRef idx="0">
-            <a:schemeClr val="accent1"/>
-          </a:fillRef>
-          <a:effectRef idx="0">
-            <a:schemeClr val="accent1"/>
-          </a:effectRef>
-          <a:fontRef idx="minor">
-            <a:schemeClr val="tx1"/>
-          </a:fontRef>
-        </p:style>
-      </p:cxnSp>
-      <p:sp>
-        <p:nvSpPr>
-          <p:cNvPr id="24" name="TextBox 23"/>
-          <p:cNvSpPr txBox="1"/>
-          <p:nvPr/>
-        </p:nvSpPr>
-        <p:spPr>
-          <a:xfrm>
-            <a:off x="1345305" y="2989204"/>
-            <a:ext cx="860170" cy="215444"/>
-          </a:xfrm>
-          <a:prstGeom prst="rect">
-            <a:avLst/>
-          </a:prstGeom>
-          <a:noFill/>
-        </p:spPr>
-        <p:txBody>
-          <a:bodyPr wrap="square" lIns="0" tIns="0" rIns="0" bIns="0" rtlCol="0">
-            <a:spAutoFit/>
-          </a:bodyPr>
-          <a:lstStyle/>
-          <a:p>
-            <a:pPr algn="ctr"/>
-            <a:r>
-              <a:rPr lang="en-US" sz="1400" dirty="0"/>
-              <a:t>delete 1</a:t>
-            </a:r>
-          </a:p>
-        </p:txBody>
-      </p:sp>
-      <p:cxnSp>
-        <p:nvCxnSpPr>
-          <p:cNvPr id="25" name="Straight Arrow Connector 24"/>
-          <p:cNvCxnSpPr>
-            <a:cxnSpLocks/>
-          </p:cNvCxnSpPr>
-          <p:nvPr/>
-        </p:nvCxnSpPr>
-        <p:spPr>
-          <a:xfrm>
-            <a:off x="2518129" y="3039017"/>
-            <a:ext cx="1516886" cy="1"/>
-          </a:xfrm>
-          <a:prstGeom prst="straightConnector1">
-            <a:avLst/>
-          </a:prstGeom>
-          <a:ln w="19050">
-            <a:solidFill>
-              <a:srgbClr val="00B050"/>
-            </a:solidFill>
-            <a:tailEnd type="arrow"/>
-          </a:ln>
-        </p:spPr>
-        <p:style>
-          <a:lnRef idx="1">
-            <a:schemeClr val="accent1"/>
-          </a:lnRef>
-          <a:fillRef idx="0">
-            <a:schemeClr val="accent1"/>
-          </a:fillRef>
-          <a:effectRef idx="0">
-            <a:schemeClr val="accent1"/>
-          </a:effectRef>
-          <a:fontRef idx="minor">
-            <a:schemeClr val="tx1"/>
-          </a:fontRef>
-        </p:style>
-      </p:cxnSp>
-      <p:sp>
-        <p:nvSpPr>
-          <p:cNvPr id="26" name="TextBox 25"/>
-          <p:cNvSpPr txBox="1"/>
-          <p:nvPr/>
-        </p:nvSpPr>
-        <p:spPr>
-          <a:xfrm>
-            <a:off x="2552219" y="3082866"/>
-            <a:ext cx="1424846" cy="215444"/>
-          </a:xfrm>
-          <a:prstGeom prst="rect">
-            <a:avLst/>
-          </a:prstGeom>
-          <a:noFill/>
-        </p:spPr>
-        <p:txBody>
-          <a:bodyPr wrap="square" lIns="0" tIns="0" rIns="0" bIns="0" rtlCol="0">
-            <a:spAutoFit/>
-          </a:bodyPr>
-          <a:lstStyle/>
-          <a:p>
-            <a:pPr algn="ctr"/>
-            <a:r>
-              <a:rPr lang="en-US" sz="1400" dirty="0">
-                <a:solidFill>
-                  <a:srgbClr val="0070C0"/>
-                </a:solidFill>
-              </a:rPr>
-              <a:t>execute(“delete 1”)</a:t>
-            </a:r>
-          </a:p>
-        </p:txBody>
-      </p:sp>
-      <p:cxnSp>
-        <p:nvCxnSpPr>
-          <p:cNvPr id="28" name="Straight Arrow Connector 27"/>
-          <p:cNvCxnSpPr>
-            <a:cxnSpLocks/>
-          </p:cNvCxnSpPr>
-          <p:nvPr/>
-        </p:nvCxnSpPr>
-        <p:spPr>
-          <a:xfrm flipV="1">
-            <a:off x="4179031" y="3143948"/>
-            <a:ext cx="1532384" cy="1"/>
-          </a:xfrm>
-          <a:prstGeom prst="straightConnector1">
-            <a:avLst/>
-          </a:prstGeom>
-          <a:ln w="19050">
-            <a:solidFill>
-              <a:srgbClr val="0070C0"/>
-            </a:solidFill>
-            <a:tailEnd type="arrow"/>
-          </a:ln>
-        </p:spPr>
-        <p:style>
-          <a:lnRef idx="1">
-            <a:schemeClr val="accent1"/>
-          </a:lnRef>
-          <a:fillRef idx="0">
-            <a:schemeClr val="accent1"/>
-          </a:fillRef>
-          <a:effectRef idx="0">
-            <a:schemeClr val="accent1"/>
-          </a:effectRef>
-          <a:fontRef idx="minor">
-            <a:schemeClr val="tx1"/>
-          </a:fontRef>
-        </p:style>
-      </p:cxnSp>
-      <p:sp>
-        <p:nvSpPr>
-          <p:cNvPr id="29" name="TextBox 28"/>
-          <p:cNvSpPr txBox="1"/>
-          <p:nvPr/>
-        </p:nvSpPr>
-        <p:spPr>
-          <a:xfrm>
-            <a:off x="4371378" y="3150453"/>
-            <a:ext cx="1228707" cy="215444"/>
-          </a:xfrm>
-          <a:prstGeom prst="rect">
-            <a:avLst/>
-          </a:prstGeom>
-          <a:noFill/>
-        </p:spPr>
-        <p:txBody>
-          <a:bodyPr wrap="square" lIns="0" tIns="0" rIns="0" bIns="0" rtlCol="0">
-            <a:spAutoFit/>
-          </a:bodyPr>
-          <a:lstStyle/>
-          <a:p>
-            <a:pPr algn="ctr"/>
-            <a:r>
-              <a:rPr lang="en-US" sz="1400" dirty="0" err="1">
-                <a:solidFill>
-                  <a:srgbClr val="7030A0"/>
-                </a:solidFill>
-              </a:rPr>
-              <a:t>deletePerson</a:t>
-            </a:r>
-            <a:r>
-              <a:rPr lang="en-US" sz="1400" dirty="0">
-                <a:solidFill>
-                  <a:srgbClr val="7030A0"/>
-                </a:solidFill>
-              </a:rPr>
-              <a:t>(p)</a:t>
-            </a:r>
-          </a:p>
-        </p:txBody>
-      </p:sp>
-      <p:cxnSp>
-        <p:nvCxnSpPr>
-          <p:cNvPr id="34" name="Straight Arrow Connector 33"/>
-          <p:cNvCxnSpPr>
-            <a:cxnSpLocks/>
-          </p:cNvCxnSpPr>
-          <p:nvPr/>
-        </p:nvCxnSpPr>
-        <p:spPr>
-          <a:xfrm>
-            <a:off x="4157837" y="3594126"/>
-            <a:ext cx="1532384" cy="0"/>
-          </a:xfrm>
-          <a:prstGeom prst="straightConnector1">
-            <a:avLst/>
-          </a:prstGeom>
-          <a:ln w="19050">
-            <a:solidFill>
-              <a:srgbClr val="7030A0"/>
-            </a:solidFill>
-            <a:prstDash val="sysDash"/>
-            <a:headEnd type="arrow" w="med" len="med"/>
-            <a:tailEnd type="none" w="med" len="med"/>
-          </a:ln>
-        </p:spPr>
-        <p:style>
-          <a:lnRef idx="1">
-            <a:schemeClr val="accent1"/>
-          </a:lnRef>
-          <a:fillRef idx="0">
-            <a:schemeClr val="accent1"/>
-          </a:fillRef>
-          <a:effectRef idx="0">
-            <a:schemeClr val="accent1"/>
-          </a:effectRef>
-          <a:fontRef idx="minor">
-            <a:schemeClr val="tx1"/>
-          </a:fontRef>
-        </p:style>
-      </p:cxnSp>
-      <p:cxnSp>
-        <p:nvCxnSpPr>
-          <p:cNvPr id="35" name="Straight Arrow Connector 34"/>
-          <p:cNvCxnSpPr>
-            <a:cxnSpLocks/>
-          </p:cNvCxnSpPr>
-          <p:nvPr/>
-        </p:nvCxnSpPr>
-        <p:spPr>
-          <a:xfrm>
-            <a:off x="2502653" y="4507812"/>
-            <a:ext cx="1532362" cy="0"/>
-          </a:xfrm>
-          <a:prstGeom prst="straightConnector1">
-            <a:avLst/>
-          </a:prstGeom>
-          <a:ln w="19050">
-            <a:solidFill>
-              <a:srgbClr val="0070C0"/>
-            </a:solidFill>
-            <a:prstDash val="sysDash"/>
-            <a:headEnd type="arrow" w="med" len="med"/>
-            <a:tailEnd type="none" w="med" len="med"/>
-          </a:ln>
-        </p:spPr>
-        <p:style>
-          <a:lnRef idx="1">
-            <a:schemeClr val="accent1"/>
-          </a:lnRef>
-          <a:fillRef idx="0">
-            <a:schemeClr val="accent1"/>
-          </a:fillRef>
-          <a:effectRef idx="0">
-            <a:schemeClr val="accent1"/>
-          </a:effectRef>
-          <a:fontRef idx="minor">
-            <a:schemeClr val="tx1"/>
-          </a:fontRef>
-        </p:style>
-      </p:cxnSp>
-      <p:cxnSp>
-        <p:nvCxnSpPr>
-          <p:cNvPr id="37" name="Straight Arrow Connector 36"/>
-          <p:cNvCxnSpPr>
-            <a:cxnSpLocks/>
-          </p:cNvCxnSpPr>
-          <p:nvPr/>
-        </p:nvCxnSpPr>
-        <p:spPr>
-          <a:xfrm>
-            <a:off x="1263008" y="4657260"/>
-            <a:ext cx="1087245" cy="0"/>
-          </a:xfrm>
-          <a:prstGeom prst="straightConnector1">
-            <a:avLst/>
-          </a:prstGeom>
-          <a:ln w="19050">
-            <a:solidFill>
-              <a:srgbClr val="00B050"/>
-            </a:solidFill>
-            <a:prstDash val="sysDash"/>
-            <a:headEnd type="arrow" w="med" len="med"/>
-            <a:tailEnd type="none" w="med" len="med"/>
-          </a:ln>
-        </p:spPr>
-        <p:style>
-          <a:lnRef idx="1">
-            <a:schemeClr val="accent1"/>
-          </a:lnRef>
-          <a:fillRef idx="0">
-            <a:schemeClr val="accent1"/>
-          </a:fillRef>
-          <a:effectRef idx="0">
-            <a:schemeClr val="accent1"/>
-          </a:effectRef>
-          <a:fontRef idx="minor">
-            <a:schemeClr val="tx1"/>
-          </a:fontRef>
-        </p:style>
-      </p:cxnSp>
-      <p:sp>
-        <p:nvSpPr>
-          <p:cNvPr id="53" name="Rectangle 62"/>
-          <p:cNvSpPr/>
-          <p:nvPr/>
-        </p:nvSpPr>
-        <p:spPr>
-          <a:xfrm>
-            <a:off x="6870618" y="2213466"/>
-            <a:ext cx="1093635" cy="346760"/>
-          </a:xfrm>
-          <a:prstGeom prst="rect">
-            <a:avLst/>
-          </a:prstGeom>
-          <a:solidFill>
-            <a:schemeClr val="accent6">
-              <a:lumMod val="75000"/>
-            </a:schemeClr>
-          </a:solidFill>
-          <a:ln w="19050">
-            <a:solidFill>
-              <a:schemeClr val="accent6">
-                <a:lumMod val="75000"/>
-              </a:schemeClr>
-            </a:solidFill>
-          </a:ln>
-          <a:effectLst/>
-        </p:spPr>
-        <p:style>
-          <a:lnRef idx="1">
-            <a:schemeClr val="accent2"/>
-          </a:lnRef>
-          <a:fillRef idx="2">
-            <a:schemeClr val="accent2"/>
-          </a:fillRef>
-          <a:effectRef idx="1">
-            <a:schemeClr val="accent2"/>
-          </a:effectRef>
-          <a:fontRef idx="minor">
-            <a:schemeClr val="dk1"/>
-          </a:fontRef>
-        </p:style>
-        <p:txBody>
-          <a:bodyPr rtlCol="0" anchor="ctr"/>
-          <a:lstStyle/>
-          <a:p>
-            <a:pPr algn="ctr"/>
-            <a:r>
-              <a:rPr lang="en-US" sz="1600" dirty="0">
-                <a:solidFill>
-                  <a:schemeClr val="bg1"/>
-                </a:solidFill>
-              </a:rPr>
-              <a:t>:Storage</a:t>
-            </a:r>
-            <a:endParaRPr lang="en-SG" sz="1600" dirty="0">
-              <a:solidFill>
-                <a:schemeClr val="bg1"/>
-              </a:solidFill>
-            </a:endParaRPr>
-          </a:p>
-        </p:txBody>
-      </p:sp>
-      <p:cxnSp>
-        <p:nvCxnSpPr>
-          <p:cNvPr id="54" name="Straight Connector 53"/>
-          <p:cNvCxnSpPr>
-            <a:cxnSpLocks/>
-          </p:cNvCxnSpPr>
-          <p:nvPr/>
-        </p:nvCxnSpPr>
-        <p:spPr>
-          <a:xfrm>
-            <a:off x="7417435" y="2538761"/>
-            <a:ext cx="0" cy="2274565"/>
-          </a:xfrm>
-          <a:prstGeom prst="line">
-            <a:avLst/>
-          </a:prstGeom>
-          <a:ln w="19050">
-            <a:solidFill>
-              <a:schemeClr val="accent6">
-                <a:lumMod val="75000"/>
-              </a:schemeClr>
-            </a:solidFill>
-            <a:prstDash val="sysDash"/>
-          </a:ln>
-          <a:effectLst/>
-        </p:spPr>
-        <p:style>
-          <a:lnRef idx="1">
-            <a:schemeClr val="accent1"/>
-          </a:lnRef>
-          <a:fillRef idx="2">
-            <a:schemeClr val="accent1"/>
-          </a:fillRef>
-          <a:effectRef idx="1">
-            <a:schemeClr val="accent1"/>
-          </a:effectRef>
-          <a:fontRef idx="minor">
-            <a:schemeClr val="dk1"/>
-          </a:fontRef>
-        </p:style>
-      </p:cxnSp>
-      <p:sp>
-        <p:nvSpPr>
-          <p:cNvPr id="55" name="Rectangle 54"/>
-          <p:cNvSpPr/>
-          <p:nvPr/>
-        </p:nvSpPr>
-        <p:spPr>
-          <a:xfrm>
-            <a:off x="7351124" y="3879150"/>
-            <a:ext cx="124478" cy="457919"/>
-          </a:xfrm>
-          <a:prstGeom prst="rect">
-            <a:avLst/>
-          </a:prstGeom>
-          <a:solidFill>
-            <a:schemeClr val="accent6">
-              <a:lumMod val="75000"/>
-            </a:schemeClr>
-          </a:solidFill>
-          <a:ln>
-            <a:solidFill>
-              <a:schemeClr val="accent6">
-                <a:lumMod val="75000"/>
-              </a:schemeClr>
-            </a:solidFill>
-          </a:ln>
-          <a:effectLst/>
-        </p:spPr>
-        <p:style>
-          <a:lnRef idx="1">
-            <a:schemeClr val="accent3"/>
-          </a:lnRef>
-          <a:fillRef idx="2">
-            <a:schemeClr val="accent3"/>
-          </a:fillRef>
-          <a:effectRef idx="1">
-            <a:schemeClr val="accent3"/>
-          </a:effectRef>
-          <a:fontRef idx="minor">
-            <a:schemeClr val="dk1"/>
-          </a:fontRef>
-        </p:style>
-        <p:txBody>
-          <a:bodyPr rtlCol="0" anchor="ctr"/>
-          <a:lstStyle/>
-          <a:p>
-            <a:pPr algn="ctr"/>
-            <a:endParaRPr lang="en-SG" sz="1400">
-              <a:solidFill>
-                <a:schemeClr val="dk1"/>
-              </a:solidFill>
-            </a:endParaRPr>
-          </a:p>
-        </p:txBody>
-      </p:sp>
-      <p:cxnSp>
-        <p:nvCxnSpPr>
-          <p:cNvPr id="63" name="Straight Arrow Connector 62"/>
-          <p:cNvCxnSpPr>
-            <a:cxnSpLocks/>
-            <a:stCxn id="55" idx="2"/>
-          </p:cNvCxnSpPr>
-          <p:nvPr/>
-        </p:nvCxnSpPr>
-        <p:spPr>
-          <a:xfrm flipH="1" flipV="1">
-            <a:off x="4187393" y="4336999"/>
-            <a:ext cx="3225970" cy="70"/>
-          </a:xfrm>
-          <a:prstGeom prst="straightConnector1">
-            <a:avLst/>
-          </a:prstGeom>
-          <a:ln w="19050">
-            <a:solidFill>
-              <a:schemeClr val="accent6">
-                <a:lumMod val="75000"/>
-              </a:schemeClr>
-            </a:solidFill>
-            <a:prstDash val="sysDash"/>
-            <a:headEnd type="none" w="med" len="med"/>
-            <a:tailEnd type="arrow" w="med" len="med"/>
-          </a:ln>
-        </p:spPr>
-        <p:style>
-          <a:lnRef idx="1">
-            <a:schemeClr val="accent1"/>
-          </a:lnRef>
-          <a:fillRef idx="0">
-            <a:schemeClr val="accent1"/>
-          </a:fillRef>
-          <a:effectRef idx="0">
-            <a:schemeClr val="accent1"/>
-          </a:effectRef>
-          <a:fontRef idx="minor">
-            <a:schemeClr val="tx1"/>
-          </a:fontRef>
-        </p:style>
-      </p:cxnSp>
-      <p:sp>
-        <p:nvSpPr>
-          <p:cNvPr id="74" name="TextBox 73"/>
-          <p:cNvSpPr txBox="1"/>
-          <p:nvPr/>
-        </p:nvSpPr>
-        <p:spPr>
-          <a:xfrm>
-            <a:off x="4484157" y="3921005"/>
-            <a:ext cx="2466828" cy="215444"/>
-          </a:xfrm>
-          <a:prstGeom prst="rect">
-            <a:avLst/>
-          </a:prstGeom>
-          <a:noFill/>
-        </p:spPr>
-        <p:txBody>
-          <a:bodyPr wrap="square" lIns="0" tIns="0" rIns="0" bIns="0" rtlCol="0">
-            <a:spAutoFit/>
-          </a:bodyPr>
-          <a:lstStyle/>
-          <a:p>
-            <a:pPr algn="ctr"/>
-            <a:r>
-              <a:rPr lang="en-US" sz="1400" dirty="0" err="1">
-                <a:solidFill>
-                  <a:schemeClr val="accent6">
-                    <a:lumMod val="75000"/>
-                  </a:schemeClr>
-                </a:solidFill>
-              </a:rPr>
-              <a:t>saveAddressBook</a:t>
-            </a:r>
-            <a:r>
-              <a:rPr lang="en-US" sz="1400" dirty="0">
-                <a:solidFill>
-                  <a:schemeClr val="accent6">
-                    <a:lumMod val="75000"/>
-                  </a:schemeClr>
-                </a:solidFill>
-              </a:rPr>
-              <a:t>(</a:t>
-            </a:r>
-            <a:r>
-              <a:rPr lang="en-US" sz="1400" dirty="0" err="1">
-                <a:solidFill>
-                  <a:schemeClr val="accent6">
-                    <a:lumMod val="75000"/>
-                  </a:schemeClr>
-                </a:solidFill>
-              </a:rPr>
-              <a:t>AddressBook</a:t>
-            </a:r>
-            <a:r>
-              <a:rPr lang="en-US" sz="1400" dirty="0">
-                <a:solidFill>
-                  <a:schemeClr val="accent6">
-                    <a:lumMod val="75000"/>
-                  </a:schemeClr>
-                </a:solidFill>
-              </a:rPr>
-              <a:t>)</a:t>
-            </a:r>
-          </a:p>
-        </p:txBody>
-      </p:sp>
-      <p:cxnSp>
-        <p:nvCxnSpPr>
-          <p:cNvPr id="85" name="Straight Connector 84"/>
-          <p:cNvCxnSpPr>
-            <a:cxnSpLocks/>
-          </p:cNvCxnSpPr>
-          <p:nvPr/>
-        </p:nvCxnSpPr>
-        <p:spPr>
-          <a:xfrm>
-            <a:off x="1072833" y="2712598"/>
-            <a:ext cx="0" cy="2100728"/>
-          </a:xfrm>
-          <a:prstGeom prst="line">
-            <a:avLst/>
-          </a:prstGeom>
-          <a:ln w="19050">
-            <a:solidFill>
-              <a:schemeClr val="tx1"/>
-            </a:solidFill>
-            <a:prstDash val="sysDash"/>
-          </a:ln>
-          <a:effectLst/>
-        </p:spPr>
-        <p:style>
-          <a:lnRef idx="1">
-            <a:schemeClr val="accent1"/>
-          </a:lnRef>
-          <a:fillRef idx="2">
-            <a:schemeClr val="accent1"/>
-          </a:fillRef>
-          <a:effectRef idx="1">
-            <a:schemeClr val="accent1"/>
-          </a:effectRef>
-          <a:fontRef idx="minor">
-            <a:schemeClr val="dk1"/>
-          </a:fontRef>
-        </p:style>
-      </p:cxnSp>
-      <p:grpSp>
-        <p:nvGrpSpPr>
-          <p:cNvPr id="58" name="Group 57"/>
-          <p:cNvGrpSpPr/>
-          <p:nvPr/>
-        </p:nvGrpSpPr>
-        <p:grpSpPr>
-          <a:xfrm flipH="1">
-            <a:off x="7442978" y="3879149"/>
-            <a:ext cx="217349" cy="430885"/>
-            <a:chOff x="1028134" y="5612032"/>
-            <a:chExt cx="217349" cy="270072"/>
-          </a:xfrm>
-        </p:grpSpPr>
-        <p:sp>
-          <p:nvSpPr>
-            <p:cNvPr id="59" name="Freeform 58"/>
-            <p:cNvSpPr/>
-            <p:nvPr/>
-          </p:nvSpPr>
-          <p:spPr>
-            <a:xfrm rot="2600998" flipH="1" flipV="1">
-              <a:off x="1028134" y="5612032"/>
-              <a:ext cx="167452" cy="116880"/>
-            </a:xfrm>
-            <a:custGeom>
-              <a:avLst/>
-              <a:gdLst>
-                <a:gd name="connsiteX0" fmla="*/ 0 w 226400"/>
-                <a:gd name="connsiteY0" fmla="*/ 32920 h 171466"/>
-                <a:gd name="connsiteX1" fmla="*/ 157018 w 226400"/>
-                <a:gd name="connsiteY1" fmla="*/ 5211 h 171466"/>
-                <a:gd name="connsiteX2" fmla="*/ 221673 w 226400"/>
-                <a:gd name="connsiteY2" fmla="*/ 125284 h 171466"/>
-                <a:gd name="connsiteX3" fmla="*/ 36945 w 226400"/>
-                <a:gd name="connsiteY3" fmla="*/ 171466 h 171466"/>
-              </a:gdLst>
-              <a:ahLst/>
-              <a:cxnLst>
-                <a:cxn ang="0">
-                  <a:pos x="connsiteX0" y="connsiteY0"/>
-                </a:cxn>
-                <a:cxn ang="0">
-                  <a:pos x="connsiteX1" y="connsiteY1"/>
-                </a:cxn>
-                <a:cxn ang="0">
-                  <a:pos x="connsiteX2" y="connsiteY2"/>
-                </a:cxn>
-                <a:cxn ang="0">
-                  <a:pos x="connsiteX3" y="connsiteY3"/>
-                </a:cxn>
-              </a:cxnLst>
-              <a:rect l="l" t="t" r="r" b="b"/>
-              <a:pathLst>
-                <a:path w="226400" h="171466">
-                  <a:moveTo>
-                    <a:pt x="0" y="32920"/>
-                  </a:moveTo>
-                  <a:cubicBezTo>
-                    <a:pt x="60036" y="11368"/>
-                    <a:pt x="120073" y="-10183"/>
-                    <a:pt x="157018" y="5211"/>
-                  </a:cubicBezTo>
-                  <a:cubicBezTo>
-                    <a:pt x="193963" y="20605"/>
-                    <a:pt x="241685" y="97575"/>
-                    <a:pt x="221673" y="125284"/>
-                  </a:cubicBezTo>
-                  <a:cubicBezTo>
-                    <a:pt x="201661" y="152993"/>
-                    <a:pt x="119303" y="162229"/>
-                    <a:pt x="36945" y="171466"/>
-                  </a:cubicBezTo>
-                </a:path>
-              </a:pathLst>
-            </a:custGeom>
-            <a:ln w="19050">
-              <a:solidFill>
-                <a:schemeClr val="accent6">
-                  <a:lumMod val="75000"/>
-                </a:schemeClr>
-              </a:solidFill>
-              <a:headEnd type="arrow" w="med" len="med"/>
-              <a:tailEnd type="none" w="med" len="med"/>
-            </a:ln>
-          </p:spPr>
-          <p:style>
-            <a:lnRef idx="1">
-              <a:schemeClr val="accent1"/>
-            </a:lnRef>
-            <a:fillRef idx="0">
-              <a:schemeClr val="accent1"/>
-            </a:fillRef>
-            <a:effectRef idx="0">
-              <a:schemeClr val="accent1"/>
-            </a:effectRef>
-            <a:fontRef idx="minor">
-              <a:schemeClr val="tx1"/>
-            </a:fontRef>
-          </p:style>
-          <p:txBody>
-            <a:bodyPr rtlCol="0" anchor="ctr"/>
-            <a:lstStyle/>
-            <a:p>
-              <a:pPr algn="ctr"/>
-              <a:endParaRPr lang="en-SG"/>
-            </a:p>
-          </p:txBody>
-        </p:sp>
-        <p:sp>
-          <p:nvSpPr>
-            <p:cNvPr id="60" name="Rectangle 59"/>
-            <p:cNvSpPr/>
-            <p:nvPr/>
-          </p:nvSpPr>
-          <p:spPr>
-            <a:xfrm>
-              <a:off x="1147403" y="5712513"/>
-              <a:ext cx="98080" cy="169591"/>
+              <a:off x="2350253" y="2924166"/>
+              <a:ext cx="152400" cy="1733094"/>
             </a:xfrm>
             <a:prstGeom prst="rect">
               <a:avLst/>
             </a:prstGeom>
             <a:solidFill>
-              <a:schemeClr val="accent6">
-                <a:lumMod val="75000"/>
-              </a:schemeClr>
+              <a:srgbClr val="00B050"/>
             </a:solidFill>
             <a:ln>
               <a:solidFill>
-                <a:schemeClr val="bg1"/>
+                <a:srgbClr val="00B050"/>
               </a:solidFill>
             </a:ln>
             <a:effectLst/>
@@ -4991,113 +3692,1418 @@
             <a:lstStyle/>
             <a:p>
               <a:pPr algn="ctr"/>
-              <a:endParaRPr lang="en-SG" sz="1400">
+              <a:endParaRPr lang="en-SG" sz="1400"/>
+            </a:p>
+          </p:txBody>
+        </p:sp>
+        <p:grpSp>
+          <p:nvGrpSpPr>
+            <p:cNvPr id="7" name="Actor"/>
+            <p:cNvGrpSpPr/>
+            <p:nvPr/>
+          </p:nvGrpSpPr>
+          <p:grpSpPr>
+            <a:xfrm>
+              <a:off x="910815" y="2146326"/>
+              <a:ext cx="324036" cy="573410"/>
+              <a:chOff x="3239901" y="4149080"/>
+              <a:chExt cx="648072" cy="1146820"/>
+            </a:xfrm>
+          </p:grpSpPr>
+          <p:sp>
+            <p:nvSpPr>
+              <p:cNvPr id="8" name="Flowchart: Connector 7"/>
+              <p:cNvSpPr/>
+              <p:nvPr/>
+            </p:nvSpPr>
+            <p:spPr>
+              <a:xfrm>
+                <a:off x="3419872" y="4149080"/>
+                <a:ext cx="288032" cy="288032"/>
+              </a:xfrm>
+              <a:prstGeom prst="flowChartConnector">
+                <a:avLst/>
+              </a:prstGeom>
+              <a:solidFill>
+                <a:schemeClr val="bg1">
+                  <a:lumMod val="85000"/>
+                </a:schemeClr>
+              </a:solidFill>
+              <a:ln w="28575">
                 <a:solidFill>
-                  <a:schemeClr val="dk1"/>
+                  <a:schemeClr val="tx1"/>
+                </a:solidFill>
+              </a:ln>
+              <a:effectLst/>
+            </p:spPr>
+            <p:style>
+              <a:lnRef idx="1">
+                <a:schemeClr val="accent4"/>
+              </a:lnRef>
+              <a:fillRef idx="2">
+                <a:schemeClr val="accent4"/>
+              </a:fillRef>
+              <a:effectRef idx="1">
+                <a:schemeClr val="accent4"/>
+              </a:effectRef>
+              <a:fontRef idx="minor">
+                <a:schemeClr val="dk1"/>
+              </a:fontRef>
+            </p:style>
+            <p:txBody>
+              <a:bodyPr rtlCol="0" anchor="ctr"/>
+              <a:lstStyle/>
+              <a:p>
+                <a:pPr algn="ctr"/>
+                <a:endParaRPr lang="en-SG"/>
+              </a:p>
+            </p:txBody>
+          </p:sp>
+          <p:cxnSp>
+            <p:nvCxnSpPr>
+              <p:cNvPr id="9" name="Straight Connector 8"/>
+              <p:cNvCxnSpPr>
+                <a:stCxn id="8" idx="4"/>
+              </p:cNvCxnSpPr>
+              <p:nvPr/>
+            </p:nvCxnSpPr>
+            <p:spPr>
+              <a:xfrm>
+                <a:off x="3563888" y="4437112"/>
+                <a:ext cx="0" cy="504056"/>
+              </a:xfrm>
+              <a:prstGeom prst="line">
+                <a:avLst/>
+              </a:prstGeom>
+              <a:ln w="28575">
+                <a:solidFill>
+                  <a:schemeClr val="tx1"/>
+                </a:solidFill>
+              </a:ln>
+              <a:effectLst/>
+            </p:spPr>
+            <p:style>
+              <a:lnRef idx="1">
+                <a:schemeClr val="accent4"/>
+              </a:lnRef>
+              <a:fillRef idx="2">
+                <a:schemeClr val="accent4"/>
+              </a:fillRef>
+              <a:effectRef idx="1">
+                <a:schemeClr val="accent4"/>
+              </a:effectRef>
+              <a:fontRef idx="minor">
+                <a:schemeClr val="dk1"/>
+              </a:fontRef>
+            </p:style>
+          </p:cxnSp>
+          <p:sp>
+            <p:nvSpPr>
+              <p:cNvPr id="10" name="Freeform 9"/>
+              <p:cNvSpPr/>
+              <p:nvPr/>
+            </p:nvSpPr>
+            <p:spPr>
+              <a:xfrm>
+                <a:off x="3324225" y="4933950"/>
+                <a:ext cx="479425" cy="361950"/>
+              </a:xfrm>
+              <a:custGeom>
+                <a:avLst/>
+                <a:gdLst>
+                  <a:gd name="connsiteX0" fmla="*/ 0 w 479425"/>
+                  <a:gd name="connsiteY0" fmla="*/ 355600 h 361950"/>
+                  <a:gd name="connsiteX1" fmla="*/ 241300 w 479425"/>
+                  <a:gd name="connsiteY1" fmla="*/ 0 h 361950"/>
+                  <a:gd name="connsiteX2" fmla="*/ 479425 w 479425"/>
+                  <a:gd name="connsiteY2" fmla="*/ 361950 h 361950"/>
+                </a:gdLst>
+                <a:ahLst/>
+                <a:cxnLst>
+                  <a:cxn ang="0">
+                    <a:pos x="connsiteX0" y="connsiteY0"/>
+                  </a:cxn>
+                  <a:cxn ang="0">
+                    <a:pos x="connsiteX1" y="connsiteY1"/>
+                  </a:cxn>
+                  <a:cxn ang="0">
+                    <a:pos x="connsiteX2" y="connsiteY2"/>
+                  </a:cxn>
+                </a:cxnLst>
+                <a:rect l="l" t="t" r="r" b="b"/>
+                <a:pathLst>
+                  <a:path w="479425" h="361950">
+                    <a:moveTo>
+                      <a:pt x="0" y="355600"/>
+                    </a:moveTo>
+                    <a:lnTo>
+                      <a:pt x="241300" y="0"/>
+                    </a:lnTo>
+                    <a:lnTo>
+                      <a:pt x="479425" y="361950"/>
+                    </a:lnTo>
+                  </a:path>
+                </a:pathLst>
+              </a:custGeom>
+              <a:noFill/>
+              <a:ln w="28575">
+                <a:solidFill>
+                  <a:schemeClr val="tx1"/>
+                </a:solidFill>
+              </a:ln>
+              <a:effectLst/>
+            </p:spPr>
+            <p:style>
+              <a:lnRef idx="1">
+                <a:schemeClr val="accent4"/>
+              </a:lnRef>
+              <a:fillRef idx="2">
+                <a:schemeClr val="accent4"/>
+              </a:fillRef>
+              <a:effectRef idx="1">
+                <a:schemeClr val="accent4"/>
+              </a:effectRef>
+              <a:fontRef idx="minor">
+                <a:schemeClr val="dk1"/>
+              </a:fontRef>
+            </p:style>
+            <p:txBody>
+              <a:bodyPr rtlCol="0" anchor="ctr"/>
+              <a:lstStyle/>
+              <a:p>
+                <a:pPr algn="ctr"/>
+                <a:endParaRPr lang="en-SG"/>
+              </a:p>
+            </p:txBody>
+          </p:sp>
+          <p:cxnSp>
+            <p:nvCxnSpPr>
+              <p:cNvPr id="11" name="Straight Connector 10"/>
+              <p:cNvCxnSpPr/>
+              <p:nvPr/>
+            </p:nvCxnSpPr>
+            <p:spPr>
+              <a:xfrm>
+                <a:off x="3239901" y="4509120"/>
+                <a:ext cx="648072" cy="0"/>
+              </a:xfrm>
+              <a:prstGeom prst="line">
+                <a:avLst/>
+              </a:prstGeom>
+              <a:ln w="28575">
+                <a:solidFill>
+                  <a:schemeClr val="tx1"/>
+                </a:solidFill>
+              </a:ln>
+              <a:effectLst/>
+            </p:spPr>
+            <p:style>
+              <a:lnRef idx="1">
+                <a:schemeClr val="accent4"/>
+              </a:lnRef>
+              <a:fillRef idx="2">
+                <a:schemeClr val="accent4"/>
+              </a:fillRef>
+              <a:effectRef idx="1">
+                <a:schemeClr val="accent4"/>
+              </a:effectRef>
+              <a:fontRef idx="minor">
+                <a:schemeClr val="dk1"/>
+              </a:fontRef>
+            </p:style>
+          </p:cxnSp>
+        </p:grpSp>
+        <p:sp>
+          <p:nvSpPr>
+            <p:cNvPr id="16" name="Rectangle 62"/>
+            <p:cNvSpPr/>
+            <p:nvPr/>
+          </p:nvSpPr>
+          <p:spPr>
+            <a:xfrm>
+              <a:off x="3560206" y="2217153"/>
+              <a:ext cx="1093635" cy="346760"/>
+            </a:xfrm>
+            <a:prstGeom prst="rect">
+              <a:avLst/>
+            </a:prstGeom>
+            <a:solidFill>
+              <a:srgbClr val="0070C0"/>
+            </a:solidFill>
+            <a:ln w="19050">
+              <a:solidFill>
+                <a:srgbClr val="0070C0"/>
+              </a:solidFill>
+            </a:ln>
+            <a:effectLst/>
+          </p:spPr>
+          <p:style>
+            <a:lnRef idx="1">
+              <a:schemeClr val="accent2"/>
+            </a:lnRef>
+            <a:fillRef idx="2">
+              <a:schemeClr val="accent2"/>
+            </a:fillRef>
+            <a:effectRef idx="1">
+              <a:schemeClr val="accent2"/>
+            </a:effectRef>
+            <a:fontRef idx="minor">
+              <a:schemeClr val="dk1"/>
+            </a:fontRef>
+          </p:style>
+          <p:txBody>
+            <a:bodyPr rtlCol="0" anchor="ctr"/>
+            <a:lstStyle/>
+            <a:p>
+              <a:pPr algn="ctr"/>
+              <a:r>
+                <a:rPr lang="en-US" sz="1600" dirty="0">
+                  <a:solidFill>
+                    <a:schemeClr val="bg1"/>
+                  </a:solidFill>
+                </a:rPr>
+                <a:t>:Logic</a:t>
+              </a:r>
+              <a:endParaRPr lang="en-SG" sz="1600" dirty="0">
+                <a:solidFill>
+                  <a:schemeClr val="bg1"/>
                 </a:solidFill>
               </a:endParaRPr>
             </a:p>
           </p:txBody>
         </p:sp>
-      </p:grpSp>
-      <p:sp>
-        <p:nvSpPr>
-          <p:cNvPr id="61" name="TextBox 60"/>
-          <p:cNvSpPr txBox="1"/>
-          <p:nvPr/>
-        </p:nvSpPr>
-        <p:spPr>
-          <a:xfrm>
-            <a:off x="7730090" y="3724480"/>
-            <a:ext cx="539047" cy="430887"/>
-          </a:xfrm>
-          <a:prstGeom prst="rect">
-            <a:avLst/>
-          </a:prstGeom>
-          <a:noFill/>
-        </p:spPr>
-        <p:txBody>
-          <a:bodyPr wrap="square" lIns="0" tIns="0" rIns="0" bIns="0" rtlCol="0">
-            <a:spAutoFit/>
-          </a:bodyPr>
-          <a:lstStyle/>
-          <a:p>
-            <a:r>
-              <a:rPr lang="en-US" sz="1400" dirty="0">
+        <p:cxnSp>
+          <p:nvCxnSpPr>
+            <p:cNvPr id="17" name="Straight Connector 16"/>
+            <p:cNvCxnSpPr>
+              <a:cxnSpLocks/>
+            </p:cNvCxnSpPr>
+            <p:nvPr/>
+          </p:nvCxnSpPr>
+          <p:spPr>
+            <a:xfrm>
+              <a:off x="4107023" y="2580824"/>
+              <a:ext cx="0" cy="2232502"/>
+            </a:xfrm>
+            <a:prstGeom prst="line">
+              <a:avLst/>
+            </a:prstGeom>
+            <a:ln w="19050">
+              <a:solidFill>
+                <a:srgbClr val="0070C0"/>
+              </a:solidFill>
+              <a:prstDash val="sysDash"/>
+            </a:ln>
+            <a:effectLst/>
+          </p:spPr>
+          <p:style>
+            <a:lnRef idx="1">
+              <a:schemeClr val="accent1"/>
+            </a:lnRef>
+            <a:fillRef idx="2">
+              <a:schemeClr val="accent1"/>
+            </a:fillRef>
+            <a:effectRef idx="1">
+              <a:schemeClr val="accent1"/>
+            </a:effectRef>
+            <a:fontRef idx="minor">
+              <a:schemeClr val="dk1"/>
+            </a:fontRef>
+          </p:style>
+        </p:cxnSp>
+        <p:sp>
+          <p:nvSpPr>
+            <p:cNvPr id="18" name="Rectangle 17"/>
+            <p:cNvSpPr/>
+            <p:nvPr/>
+          </p:nvSpPr>
+          <p:spPr>
+            <a:xfrm>
+              <a:off x="4035015" y="3039017"/>
+              <a:ext cx="152376" cy="1477495"/>
+            </a:xfrm>
+            <a:prstGeom prst="rect">
+              <a:avLst/>
+            </a:prstGeom>
+            <a:solidFill>
+              <a:srgbClr val="0070C0"/>
+            </a:solidFill>
+            <a:ln>
+              <a:solidFill>
+                <a:srgbClr val="0070C0"/>
+              </a:solidFill>
+            </a:ln>
+            <a:effectLst/>
+          </p:spPr>
+          <p:style>
+            <a:lnRef idx="1">
+              <a:schemeClr val="accent3"/>
+            </a:lnRef>
+            <a:fillRef idx="2">
+              <a:schemeClr val="accent3"/>
+            </a:fillRef>
+            <a:effectRef idx="1">
+              <a:schemeClr val="accent3"/>
+            </a:effectRef>
+            <a:fontRef idx="minor">
+              <a:schemeClr val="dk1"/>
+            </a:fontRef>
+          </p:style>
+          <p:txBody>
+            <a:bodyPr rtlCol="0" anchor="ctr"/>
+            <a:lstStyle/>
+            <a:p>
+              <a:pPr algn="ctr"/>
+              <a:endParaRPr lang="en-SG" sz="1400"/>
+            </a:p>
+          </p:txBody>
+        </p:sp>
+        <p:sp>
+          <p:nvSpPr>
+            <p:cNvPr id="19" name="Rectangle 62"/>
+            <p:cNvSpPr/>
+            <p:nvPr/>
+          </p:nvSpPr>
+          <p:spPr>
+            <a:xfrm>
+              <a:off x="5215412" y="2213466"/>
+              <a:ext cx="1093635" cy="346760"/>
+            </a:xfrm>
+            <a:prstGeom prst="rect">
+              <a:avLst/>
+            </a:prstGeom>
+            <a:solidFill>
+              <a:srgbClr val="7030A0"/>
+            </a:solidFill>
+            <a:ln w="19050">
+              <a:solidFill>
+                <a:srgbClr val="7030A0"/>
+              </a:solidFill>
+            </a:ln>
+            <a:effectLst/>
+          </p:spPr>
+          <p:style>
+            <a:lnRef idx="1">
+              <a:schemeClr val="accent2"/>
+            </a:lnRef>
+            <a:fillRef idx="2">
+              <a:schemeClr val="accent2"/>
+            </a:fillRef>
+            <a:effectRef idx="1">
+              <a:schemeClr val="accent2"/>
+            </a:effectRef>
+            <a:fontRef idx="minor">
+              <a:schemeClr val="dk1"/>
+            </a:fontRef>
+          </p:style>
+          <p:txBody>
+            <a:bodyPr rtlCol="0" anchor="ctr"/>
+            <a:lstStyle/>
+            <a:p>
+              <a:pPr algn="ctr"/>
+              <a:r>
+                <a:rPr lang="en-US" sz="1600" dirty="0">
+                  <a:solidFill>
+                    <a:schemeClr val="bg1"/>
+                  </a:solidFill>
+                </a:rPr>
+                <a:t>:Model</a:t>
+              </a:r>
+              <a:endParaRPr lang="en-SG" sz="1600" dirty="0">
+                <a:solidFill>
+                  <a:schemeClr val="bg1"/>
+                </a:solidFill>
+              </a:endParaRPr>
+            </a:p>
+          </p:txBody>
+        </p:sp>
+        <p:cxnSp>
+          <p:nvCxnSpPr>
+            <p:cNvPr id="20" name="Straight Connector 19"/>
+            <p:cNvCxnSpPr>
+              <a:cxnSpLocks/>
+            </p:cNvCxnSpPr>
+            <p:nvPr/>
+          </p:nvCxnSpPr>
+          <p:spPr>
+            <a:xfrm>
+              <a:off x="5762229" y="2577137"/>
+              <a:ext cx="0" cy="2236189"/>
+            </a:xfrm>
+            <a:prstGeom prst="line">
+              <a:avLst/>
+            </a:prstGeom>
+            <a:ln w="19050">
+              <a:solidFill>
+                <a:srgbClr val="7030A0"/>
+              </a:solidFill>
+              <a:prstDash val="sysDash"/>
+            </a:ln>
+            <a:effectLst/>
+          </p:spPr>
+          <p:style>
+            <a:lnRef idx="1">
+              <a:schemeClr val="accent1"/>
+            </a:lnRef>
+            <a:fillRef idx="2">
+              <a:schemeClr val="accent1"/>
+            </a:fillRef>
+            <a:effectRef idx="1">
+              <a:schemeClr val="accent1"/>
+            </a:effectRef>
+            <a:fontRef idx="minor">
+              <a:schemeClr val="dk1"/>
+            </a:fontRef>
+          </p:style>
+        </p:cxnSp>
+        <p:sp>
+          <p:nvSpPr>
+            <p:cNvPr id="21" name="Rectangle 20"/>
+            <p:cNvSpPr/>
+            <p:nvPr/>
+          </p:nvSpPr>
+          <p:spPr>
+            <a:xfrm>
+              <a:off x="5690221" y="3143948"/>
+              <a:ext cx="142006" cy="476510"/>
+            </a:xfrm>
+            <a:prstGeom prst="rect">
+              <a:avLst/>
+            </a:prstGeom>
+            <a:solidFill>
+              <a:srgbClr val="7030A0"/>
+            </a:solidFill>
+            <a:ln>
+              <a:solidFill>
+                <a:srgbClr val="7030A0"/>
+              </a:solidFill>
+            </a:ln>
+            <a:effectLst/>
+          </p:spPr>
+          <p:style>
+            <a:lnRef idx="1">
+              <a:schemeClr val="accent3"/>
+            </a:lnRef>
+            <a:fillRef idx="2">
+              <a:schemeClr val="accent3"/>
+            </a:fillRef>
+            <a:effectRef idx="1">
+              <a:schemeClr val="accent3"/>
+            </a:effectRef>
+            <a:fontRef idx="minor">
+              <a:schemeClr val="dk1"/>
+            </a:fontRef>
+          </p:style>
+          <p:txBody>
+            <a:bodyPr rtlCol="0" anchor="ctr"/>
+            <a:lstStyle/>
+            <a:p>
+              <a:pPr algn="ctr"/>
+              <a:endParaRPr lang="en-SG" sz="1400"/>
+            </a:p>
+          </p:txBody>
+        </p:sp>
+        <p:cxnSp>
+          <p:nvCxnSpPr>
+            <p:cNvPr id="23" name="Straight Arrow Connector 22"/>
+            <p:cNvCxnSpPr>
+              <a:cxnSpLocks/>
+            </p:cNvCxnSpPr>
+            <p:nvPr/>
+          </p:nvCxnSpPr>
+          <p:spPr>
+            <a:xfrm flipV="1">
+              <a:off x="1263008" y="2931519"/>
+              <a:ext cx="1095607" cy="1"/>
+            </a:xfrm>
+            <a:prstGeom prst="straightConnector1">
+              <a:avLst/>
+            </a:prstGeom>
+            <a:ln w="19050">
+              <a:solidFill>
+                <a:schemeClr val="tx1"/>
+              </a:solidFill>
+              <a:tailEnd type="arrow"/>
+            </a:ln>
+          </p:spPr>
+          <p:style>
+            <a:lnRef idx="1">
+              <a:schemeClr val="accent1"/>
+            </a:lnRef>
+            <a:fillRef idx="0">
+              <a:schemeClr val="accent1"/>
+            </a:fillRef>
+            <a:effectRef idx="0">
+              <a:schemeClr val="accent1"/>
+            </a:effectRef>
+            <a:fontRef idx="minor">
+              <a:schemeClr val="tx1"/>
+            </a:fontRef>
+          </p:style>
+        </p:cxnSp>
+        <p:sp>
+          <p:nvSpPr>
+            <p:cNvPr id="24" name="TextBox 23"/>
+            <p:cNvSpPr txBox="1"/>
+            <p:nvPr/>
+          </p:nvSpPr>
+          <p:spPr>
+            <a:xfrm>
+              <a:off x="1345305" y="2989204"/>
+              <a:ext cx="860170" cy="215444"/>
+            </a:xfrm>
+            <a:prstGeom prst="rect">
+              <a:avLst/>
+            </a:prstGeom>
+            <a:noFill/>
+          </p:spPr>
+          <p:txBody>
+            <a:bodyPr wrap="square" lIns="0" tIns="0" rIns="0" bIns="0" rtlCol="0">
+              <a:spAutoFit/>
+            </a:bodyPr>
+            <a:lstStyle/>
+            <a:p>
+              <a:pPr algn="ctr"/>
+              <a:r>
+                <a:rPr lang="en-US" sz="1400" dirty="0"/>
+                <a:t>delete 1</a:t>
+              </a:r>
+            </a:p>
+          </p:txBody>
+        </p:sp>
+        <p:cxnSp>
+          <p:nvCxnSpPr>
+            <p:cNvPr id="25" name="Straight Arrow Connector 24"/>
+            <p:cNvCxnSpPr>
+              <a:cxnSpLocks/>
+            </p:cNvCxnSpPr>
+            <p:nvPr/>
+          </p:nvCxnSpPr>
+          <p:spPr>
+            <a:xfrm>
+              <a:off x="2518129" y="3039017"/>
+              <a:ext cx="1516886" cy="1"/>
+            </a:xfrm>
+            <a:prstGeom prst="straightConnector1">
+              <a:avLst/>
+            </a:prstGeom>
+            <a:ln w="19050">
+              <a:solidFill>
+                <a:srgbClr val="00B050"/>
+              </a:solidFill>
+              <a:tailEnd type="arrow"/>
+            </a:ln>
+          </p:spPr>
+          <p:style>
+            <a:lnRef idx="1">
+              <a:schemeClr val="accent1"/>
+            </a:lnRef>
+            <a:fillRef idx="0">
+              <a:schemeClr val="accent1"/>
+            </a:fillRef>
+            <a:effectRef idx="0">
+              <a:schemeClr val="accent1"/>
+            </a:effectRef>
+            <a:fontRef idx="minor">
+              <a:schemeClr val="tx1"/>
+            </a:fontRef>
+          </p:style>
+        </p:cxnSp>
+        <p:sp>
+          <p:nvSpPr>
+            <p:cNvPr id="26" name="TextBox 25"/>
+            <p:cNvSpPr txBox="1"/>
+            <p:nvPr/>
+          </p:nvSpPr>
+          <p:spPr>
+            <a:xfrm>
+              <a:off x="2552219" y="3082866"/>
+              <a:ext cx="1424846" cy="215444"/>
+            </a:xfrm>
+            <a:prstGeom prst="rect">
+              <a:avLst/>
+            </a:prstGeom>
+            <a:noFill/>
+          </p:spPr>
+          <p:txBody>
+            <a:bodyPr wrap="square" lIns="0" tIns="0" rIns="0" bIns="0" rtlCol="0">
+              <a:spAutoFit/>
+            </a:bodyPr>
+            <a:lstStyle/>
+            <a:p>
+              <a:pPr algn="ctr"/>
+              <a:r>
+                <a:rPr lang="en-US" sz="1400" dirty="0">
+                  <a:solidFill>
+                    <a:srgbClr val="0070C0"/>
+                  </a:solidFill>
+                </a:rPr>
+                <a:t>execute(“delete 1”)</a:t>
+              </a:r>
+            </a:p>
+          </p:txBody>
+        </p:sp>
+        <p:cxnSp>
+          <p:nvCxnSpPr>
+            <p:cNvPr id="28" name="Straight Arrow Connector 27"/>
+            <p:cNvCxnSpPr>
+              <a:cxnSpLocks/>
+            </p:cNvCxnSpPr>
+            <p:nvPr/>
+          </p:nvCxnSpPr>
+          <p:spPr>
+            <a:xfrm flipV="1">
+              <a:off x="4179031" y="3143948"/>
+              <a:ext cx="1532384" cy="1"/>
+            </a:xfrm>
+            <a:prstGeom prst="straightConnector1">
+              <a:avLst/>
+            </a:prstGeom>
+            <a:ln w="19050">
+              <a:solidFill>
+                <a:srgbClr val="0070C0"/>
+              </a:solidFill>
+              <a:tailEnd type="arrow"/>
+            </a:ln>
+          </p:spPr>
+          <p:style>
+            <a:lnRef idx="1">
+              <a:schemeClr val="accent1"/>
+            </a:lnRef>
+            <a:fillRef idx="0">
+              <a:schemeClr val="accent1"/>
+            </a:fillRef>
+            <a:effectRef idx="0">
+              <a:schemeClr val="accent1"/>
+            </a:effectRef>
+            <a:fontRef idx="minor">
+              <a:schemeClr val="tx1"/>
+            </a:fontRef>
+          </p:style>
+        </p:cxnSp>
+        <p:sp>
+          <p:nvSpPr>
+            <p:cNvPr id="29" name="TextBox 28"/>
+            <p:cNvSpPr txBox="1"/>
+            <p:nvPr/>
+          </p:nvSpPr>
+          <p:spPr>
+            <a:xfrm>
+              <a:off x="4328318" y="3150453"/>
+              <a:ext cx="1310482" cy="215444"/>
+            </a:xfrm>
+            <a:prstGeom prst="rect">
+              <a:avLst/>
+            </a:prstGeom>
+            <a:noFill/>
+          </p:spPr>
+          <p:txBody>
+            <a:bodyPr wrap="square" lIns="0" tIns="0" rIns="0" bIns="0" rtlCol="0">
+              <a:spAutoFit/>
+            </a:bodyPr>
+            <a:lstStyle/>
+            <a:p>
+              <a:pPr algn="ctr"/>
+              <a:r>
+                <a:rPr lang="en-US" sz="1400" dirty="0" err="1">
+                  <a:solidFill>
+                    <a:srgbClr val="7030A0"/>
+                  </a:solidFill>
+                </a:rPr>
+                <a:t>deleteModule</a:t>
+              </a:r>
+              <a:r>
+                <a:rPr lang="en-US" sz="1400" dirty="0">
+                  <a:solidFill>
+                    <a:srgbClr val="7030A0"/>
+                  </a:solidFill>
+                </a:rPr>
+                <a:t>(m)</a:t>
+              </a:r>
+            </a:p>
+          </p:txBody>
+        </p:sp>
+        <p:cxnSp>
+          <p:nvCxnSpPr>
+            <p:cNvPr id="34" name="Straight Arrow Connector 33"/>
+            <p:cNvCxnSpPr>
+              <a:cxnSpLocks/>
+            </p:cNvCxnSpPr>
+            <p:nvPr/>
+          </p:nvCxnSpPr>
+          <p:spPr>
+            <a:xfrm>
+              <a:off x="4157837" y="3594126"/>
+              <a:ext cx="1532384" cy="0"/>
+            </a:xfrm>
+            <a:prstGeom prst="straightConnector1">
+              <a:avLst/>
+            </a:prstGeom>
+            <a:ln w="19050">
+              <a:solidFill>
+                <a:srgbClr val="7030A0"/>
+              </a:solidFill>
+              <a:prstDash val="sysDash"/>
+              <a:headEnd type="arrow" w="med" len="med"/>
+              <a:tailEnd type="none" w="med" len="med"/>
+            </a:ln>
+          </p:spPr>
+          <p:style>
+            <a:lnRef idx="1">
+              <a:schemeClr val="accent1"/>
+            </a:lnRef>
+            <a:fillRef idx="0">
+              <a:schemeClr val="accent1"/>
+            </a:fillRef>
+            <a:effectRef idx="0">
+              <a:schemeClr val="accent1"/>
+            </a:effectRef>
+            <a:fontRef idx="minor">
+              <a:schemeClr val="tx1"/>
+            </a:fontRef>
+          </p:style>
+        </p:cxnSp>
+        <p:cxnSp>
+          <p:nvCxnSpPr>
+            <p:cNvPr id="35" name="Straight Arrow Connector 34"/>
+            <p:cNvCxnSpPr>
+              <a:cxnSpLocks/>
+            </p:cNvCxnSpPr>
+            <p:nvPr/>
+          </p:nvCxnSpPr>
+          <p:spPr>
+            <a:xfrm>
+              <a:off x="2502653" y="4507812"/>
+              <a:ext cx="1532362" cy="0"/>
+            </a:xfrm>
+            <a:prstGeom prst="straightConnector1">
+              <a:avLst/>
+            </a:prstGeom>
+            <a:ln w="19050">
+              <a:solidFill>
+                <a:srgbClr val="0070C0"/>
+              </a:solidFill>
+              <a:prstDash val="sysDash"/>
+              <a:headEnd type="arrow" w="med" len="med"/>
+              <a:tailEnd type="none" w="med" len="med"/>
+            </a:ln>
+          </p:spPr>
+          <p:style>
+            <a:lnRef idx="1">
+              <a:schemeClr val="accent1"/>
+            </a:lnRef>
+            <a:fillRef idx="0">
+              <a:schemeClr val="accent1"/>
+            </a:fillRef>
+            <a:effectRef idx="0">
+              <a:schemeClr val="accent1"/>
+            </a:effectRef>
+            <a:fontRef idx="minor">
+              <a:schemeClr val="tx1"/>
+            </a:fontRef>
+          </p:style>
+        </p:cxnSp>
+        <p:cxnSp>
+          <p:nvCxnSpPr>
+            <p:cNvPr id="37" name="Straight Arrow Connector 36"/>
+            <p:cNvCxnSpPr>
+              <a:cxnSpLocks/>
+            </p:cNvCxnSpPr>
+            <p:nvPr/>
+          </p:nvCxnSpPr>
+          <p:spPr>
+            <a:xfrm>
+              <a:off x="1263008" y="4657260"/>
+              <a:ext cx="1087245" cy="0"/>
+            </a:xfrm>
+            <a:prstGeom prst="straightConnector1">
+              <a:avLst/>
+            </a:prstGeom>
+            <a:ln w="19050">
+              <a:solidFill>
+                <a:srgbClr val="00B050"/>
+              </a:solidFill>
+              <a:prstDash val="sysDash"/>
+              <a:headEnd type="arrow" w="med" len="med"/>
+              <a:tailEnd type="none" w="med" len="med"/>
+            </a:ln>
+          </p:spPr>
+          <p:style>
+            <a:lnRef idx="1">
+              <a:schemeClr val="accent1"/>
+            </a:lnRef>
+            <a:fillRef idx="0">
+              <a:schemeClr val="accent1"/>
+            </a:fillRef>
+            <a:effectRef idx="0">
+              <a:schemeClr val="accent1"/>
+            </a:effectRef>
+            <a:fontRef idx="minor">
+              <a:schemeClr val="tx1"/>
+            </a:fontRef>
+          </p:style>
+        </p:cxnSp>
+        <p:sp>
+          <p:nvSpPr>
+            <p:cNvPr id="53" name="Rectangle 62"/>
+            <p:cNvSpPr/>
+            <p:nvPr/>
+          </p:nvSpPr>
+          <p:spPr>
+            <a:xfrm>
+              <a:off x="6870618" y="2213466"/>
+              <a:ext cx="1093635" cy="346760"/>
+            </a:xfrm>
+            <a:prstGeom prst="rect">
+              <a:avLst/>
+            </a:prstGeom>
+            <a:solidFill>
+              <a:schemeClr val="accent6">
+                <a:lumMod val="75000"/>
+              </a:schemeClr>
+            </a:solidFill>
+            <a:ln w="19050">
+              <a:solidFill>
+                <a:schemeClr val="accent6">
+                  <a:lumMod val="75000"/>
+                </a:schemeClr>
+              </a:solidFill>
+            </a:ln>
+            <a:effectLst/>
+          </p:spPr>
+          <p:style>
+            <a:lnRef idx="1">
+              <a:schemeClr val="accent2"/>
+            </a:lnRef>
+            <a:fillRef idx="2">
+              <a:schemeClr val="accent2"/>
+            </a:fillRef>
+            <a:effectRef idx="1">
+              <a:schemeClr val="accent2"/>
+            </a:effectRef>
+            <a:fontRef idx="minor">
+              <a:schemeClr val="dk1"/>
+            </a:fontRef>
+          </p:style>
+          <p:txBody>
+            <a:bodyPr rtlCol="0" anchor="ctr"/>
+            <a:lstStyle/>
+            <a:p>
+              <a:pPr algn="ctr"/>
+              <a:r>
+                <a:rPr lang="en-US" sz="1600" dirty="0">
+                  <a:solidFill>
+                    <a:schemeClr val="bg1"/>
+                  </a:solidFill>
+                </a:rPr>
+                <a:t>:Storage</a:t>
+              </a:r>
+              <a:endParaRPr lang="en-SG" sz="1600" dirty="0">
+                <a:solidFill>
+                  <a:schemeClr val="bg1"/>
+                </a:solidFill>
+              </a:endParaRPr>
+            </a:p>
+          </p:txBody>
+        </p:sp>
+        <p:cxnSp>
+          <p:nvCxnSpPr>
+            <p:cNvPr id="54" name="Straight Connector 53"/>
+            <p:cNvCxnSpPr>
+              <a:cxnSpLocks/>
+            </p:cNvCxnSpPr>
+            <p:nvPr/>
+          </p:nvCxnSpPr>
+          <p:spPr>
+            <a:xfrm>
+              <a:off x="7417435" y="2538761"/>
+              <a:ext cx="0" cy="2274565"/>
+            </a:xfrm>
+            <a:prstGeom prst="line">
+              <a:avLst/>
+            </a:prstGeom>
+            <a:ln w="19050">
+              <a:solidFill>
+                <a:schemeClr val="accent6">
+                  <a:lumMod val="75000"/>
+                </a:schemeClr>
+              </a:solidFill>
+              <a:prstDash val="sysDash"/>
+            </a:ln>
+            <a:effectLst/>
+          </p:spPr>
+          <p:style>
+            <a:lnRef idx="1">
+              <a:schemeClr val="accent1"/>
+            </a:lnRef>
+            <a:fillRef idx="2">
+              <a:schemeClr val="accent1"/>
+            </a:fillRef>
+            <a:effectRef idx="1">
+              <a:schemeClr val="accent1"/>
+            </a:effectRef>
+            <a:fontRef idx="minor">
+              <a:schemeClr val="dk1"/>
+            </a:fontRef>
+          </p:style>
+        </p:cxnSp>
+        <p:sp>
+          <p:nvSpPr>
+            <p:cNvPr id="55" name="Rectangle 54"/>
+            <p:cNvSpPr/>
+            <p:nvPr/>
+          </p:nvSpPr>
+          <p:spPr>
+            <a:xfrm>
+              <a:off x="7351124" y="3879150"/>
+              <a:ext cx="124478" cy="457919"/>
+            </a:xfrm>
+            <a:prstGeom prst="rect">
+              <a:avLst/>
+            </a:prstGeom>
+            <a:solidFill>
+              <a:schemeClr val="accent6">
+                <a:lumMod val="75000"/>
+              </a:schemeClr>
+            </a:solidFill>
+            <a:ln>
+              <a:solidFill>
+                <a:schemeClr val="accent6">
+                  <a:lumMod val="75000"/>
+                </a:schemeClr>
+              </a:solidFill>
+            </a:ln>
+            <a:effectLst/>
+          </p:spPr>
+          <p:style>
+            <a:lnRef idx="1">
+              <a:schemeClr val="accent3"/>
+            </a:lnRef>
+            <a:fillRef idx="2">
+              <a:schemeClr val="accent3"/>
+            </a:fillRef>
+            <a:effectRef idx="1">
+              <a:schemeClr val="accent3"/>
+            </a:effectRef>
+            <a:fontRef idx="minor">
+              <a:schemeClr val="dk1"/>
+            </a:fontRef>
+          </p:style>
+          <p:txBody>
+            <a:bodyPr rtlCol="0" anchor="ctr"/>
+            <a:lstStyle/>
+            <a:p>
+              <a:pPr algn="ctr"/>
+              <a:endParaRPr lang="en-SG" sz="1400"/>
+            </a:p>
+          </p:txBody>
+        </p:sp>
+        <p:cxnSp>
+          <p:nvCxnSpPr>
+            <p:cNvPr id="63" name="Straight Arrow Connector 62"/>
+            <p:cNvCxnSpPr>
+              <a:cxnSpLocks/>
+              <a:stCxn id="55" idx="2"/>
+            </p:cNvCxnSpPr>
+            <p:nvPr/>
+          </p:nvCxnSpPr>
+          <p:spPr>
+            <a:xfrm flipH="1" flipV="1">
+              <a:off x="4187393" y="4336999"/>
+              <a:ext cx="3225970" cy="70"/>
+            </a:xfrm>
+            <a:prstGeom prst="straightConnector1">
+              <a:avLst/>
+            </a:prstGeom>
+            <a:ln w="19050">
+              <a:solidFill>
+                <a:schemeClr val="accent6">
+                  <a:lumMod val="75000"/>
+                </a:schemeClr>
+              </a:solidFill>
+              <a:prstDash val="sysDash"/>
+              <a:headEnd type="none" w="med" len="med"/>
+              <a:tailEnd type="arrow" w="med" len="med"/>
+            </a:ln>
+          </p:spPr>
+          <p:style>
+            <a:lnRef idx="1">
+              <a:schemeClr val="accent1"/>
+            </a:lnRef>
+            <a:fillRef idx="0">
+              <a:schemeClr val="accent1"/>
+            </a:fillRef>
+            <a:effectRef idx="0">
+              <a:schemeClr val="accent1"/>
+            </a:effectRef>
+            <a:fontRef idx="minor">
+              <a:schemeClr val="tx1"/>
+            </a:fontRef>
+          </p:style>
+        </p:cxnSp>
+        <p:sp>
+          <p:nvSpPr>
+            <p:cNvPr id="74" name="TextBox 73"/>
+            <p:cNvSpPr txBox="1"/>
+            <p:nvPr/>
+          </p:nvSpPr>
+          <p:spPr>
+            <a:xfrm>
+              <a:off x="4484157" y="3921005"/>
+              <a:ext cx="2466828" cy="215444"/>
+            </a:xfrm>
+            <a:prstGeom prst="rect">
+              <a:avLst/>
+            </a:prstGeom>
+            <a:noFill/>
+          </p:spPr>
+          <p:txBody>
+            <a:bodyPr wrap="square" lIns="0" tIns="0" rIns="0" bIns="0" rtlCol="0">
+              <a:spAutoFit/>
+            </a:bodyPr>
+            <a:lstStyle/>
+            <a:p>
+              <a:pPr algn="ctr"/>
+              <a:r>
+                <a:rPr lang="en-US" sz="1400" dirty="0" err="1">
+                  <a:solidFill>
+                    <a:schemeClr val="accent6">
+                      <a:lumMod val="75000"/>
+                    </a:schemeClr>
+                  </a:solidFill>
+                </a:rPr>
+                <a:t>saveAddressBook</a:t>
+              </a:r>
+              <a:r>
+                <a:rPr lang="en-US" sz="1400" dirty="0">
+                  <a:solidFill>
+                    <a:schemeClr val="accent6">
+                      <a:lumMod val="75000"/>
+                    </a:schemeClr>
+                  </a:solidFill>
+                </a:rPr>
+                <a:t>(</a:t>
+              </a:r>
+              <a:r>
+                <a:rPr lang="en-US" sz="1400" dirty="0" err="1">
+                  <a:solidFill>
+                    <a:schemeClr val="accent6">
+                      <a:lumMod val="75000"/>
+                    </a:schemeClr>
+                  </a:solidFill>
+                </a:rPr>
+                <a:t>AddressBook</a:t>
+              </a:r>
+              <a:r>
+                <a:rPr lang="en-US" sz="1400" dirty="0">
+                  <a:solidFill>
+                    <a:schemeClr val="accent6">
+                      <a:lumMod val="75000"/>
+                    </a:schemeClr>
+                  </a:solidFill>
+                </a:rPr>
+                <a:t>)</a:t>
+              </a:r>
+            </a:p>
+          </p:txBody>
+        </p:sp>
+        <p:cxnSp>
+          <p:nvCxnSpPr>
+            <p:cNvPr id="85" name="Straight Connector 84"/>
+            <p:cNvCxnSpPr>
+              <a:cxnSpLocks/>
+            </p:cNvCxnSpPr>
+            <p:nvPr/>
+          </p:nvCxnSpPr>
+          <p:spPr>
+            <a:xfrm>
+              <a:off x="1072833" y="2712598"/>
+              <a:ext cx="0" cy="2100728"/>
+            </a:xfrm>
+            <a:prstGeom prst="line">
+              <a:avLst/>
+            </a:prstGeom>
+            <a:ln w="19050">
+              <a:solidFill>
+                <a:schemeClr val="tx1"/>
+              </a:solidFill>
+              <a:prstDash val="sysDash"/>
+            </a:ln>
+            <a:effectLst/>
+          </p:spPr>
+          <p:style>
+            <a:lnRef idx="1">
+              <a:schemeClr val="accent1"/>
+            </a:lnRef>
+            <a:fillRef idx="2">
+              <a:schemeClr val="accent1"/>
+            </a:fillRef>
+            <a:effectRef idx="1">
+              <a:schemeClr val="accent1"/>
+            </a:effectRef>
+            <a:fontRef idx="minor">
+              <a:schemeClr val="dk1"/>
+            </a:fontRef>
+          </p:style>
+        </p:cxnSp>
+        <p:grpSp>
+          <p:nvGrpSpPr>
+            <p:cNvPr id="58" name="Group 57"/>
+            <p:cNvGrpSpPr/>
+            <p:nvPr/>
+          </p:nvGrpSpPr>
+          <p:grpSpPr>
+            <a:xfrm flipH="1">
+              <a:off x="7442978" y="3879149"/>
+              <a:ext cx="217349" cy="430885"/>
+              <a:chOff x="1028134" y="5612032"/>
+              <a:chExt cx="217349" cy="270072"/>
+            </a:xfrm>
+          </p:grpSpPr>
+          <p:sp>
+            <p:nvSpPr>
+              <p:cNvPr id="59" name="Freeform 58"/>
+              <p:cNvSpPr/>
+              <p:nvPr/>
+            </p:nvSpPr>
+            <p:spPr>
+              <a:xfrm rot="2600998" flipH="1" flipV="1">
+                <a:off x="1028134" y="5612032"/>
+                <a:ext cx="167452" cy="116880"/>
+              </a:xfrm>
+              <a:custGeom>
+                <a:avLst/>
+                <a:gdLst>
+                  <a:gd name="connsiteX0" fmla="*/ 0 w 226400"/>
+                  <a:gd name="connsiteY0" fmla="*/ 32920 h 171466"/>
+                  <a:gd name="connsiteX1" fmla="*/ 157018 w 226400"/>
+                  <a:gd name="connsiteY1" fmla="*/ 5211 h 171466"/>
+                  <a:gd name="connsiteX2" fmla="*/ 221673 w 226400"/>
+                  <a:gd name="connsiteY2" fmla="*/ 125284 h 171466"/>
+                  <a:gd name="connsiteX3" fmla="*/ 36945 w 226400"/>
+                  <a:gd name="connsiteY3" fmla="*/ 171466 h 171466"/>
+                </a:gdLst>
+                <a:ahLst/>
+                <a:cxnLst>
+                  <a:cxn ang="0">
+                    <a:pos x="connsiteX0" y="connsiteY0"/>
+                  </a:cxn>
+                  <a:cxn ang="0">
+                    <a:pos x="connsiteX1" y="connsiteY1"/>
+                  </a:cxn>
+                  <a:cxn ang="0">
+                    <a:pos x="connsiteX2" y="connsiteY2"/>
+                  </a:cxn>
+                  <a:cxn ang="0">
+                    <a:pos x="connsiteX3" y="connsiteY3"/>
+                  </a:cxn>
+                </a:cxnLst>
+                <a:rect l="l" t="t" r="r" b="b"/>
+                <a:pathLst>
+                  <a:path w="226400" h="171466">
+                    <a:moveTo>
+                      <a:pt x="0" y="32920"/>
+                    </a:moveTo>
+                    <a:cubicBezTo>
+                      <a:pt x="60036" y="11368"/>
+                      <a:pt x="120073" y="-10183"/>
+                      <a:pt x="157018" y="5211"/>
+                    </a:cubicBezTo>
+                    <a:cubicBezTo>
+                      <a:pt x="193963" y="20605"/>
+                      <a:pt x="241685" y="97575"/>
+                      <a:pt x="221673" y="125284"/>
+                    </a:cubicBezTo>
+                    <a:cubicBezTo>
+                      <a:pt x="201661" y="152993"/>
+                      <a:pt x="119303" y="162229"/>
+                      <a:pt x="36945" y="171466"/>
+                    </a:cubicBezTo>
+                  </a:path>
+                </a:pathLst>
+              </a:custGeom>
+              <a:ln w="19050">
                 <a:solidFill>
                   <a:schemeClr val="accent6">
                     <a:lumMod val="75000"/>
                   </a:schemeClr>
                 </a:solidFill>
-              </a:rPr>
-              <a:t>Save </a:t>
-            </a:r>
-            <a:br>
-              <a:rPr lang="en-US" sz="1400" dirty="0">
+                <a:headEnd type="arrow" w="med" len="med"/>
+                <a:tailEnd type="none" w="med" len="med"/>
+              </a:ln>
+            </p:spPr>
+            <p:style>
+              <a:lnRef idx="1">
+                <a:schemeClr val="accent1"/>
+              </a:lnRef>
+              <a:fillRef idx="0">
+                <a:schemeClr val="accent1"/>
+              </a:fillRef>
+              <a:effectRef idx="0">
+                <a:schemeClr val="accent1"/>
+              </a:effectRef>
+              <a:fontRef idx="minor">
+                <a:schemeClr val="tx1"/>
+              </a:fontRef>
+            </p:style>
+            <p:txBody>
+              <a:bodyPr rtlCol="0" anchor="ctr"/>
+              <a:lstStyle/>
+              <a:p>
+                <a:pPr algn="ctr"/>
+                <a:endParaRPr lang="en-SG"/>
+              </a:p>
+            </p:txBody>
+          </p:sp>
+          <p:sp>
+            <p:nvSpPr>
+              <p:cNvPr id="60" name="Rectangle 59"/>
+              <p:cNvSpPr/>
+              <p:nvPr/>
+            </p:nvSpPr>
+            <p:spPr>
+              <a:xfrm>
+                <a:off x="1147403" y="5712513"/>
+                <a:ext cx="98080" cy="169591"/>
+              </a:xfrm>
+              <a:prstGeom prst="rect">
+                <a:avLst/>
+              </a:prstGeom>
+              <a:solidFill>
+                <a:schemeClr val="accent6">
+                  <a:lumMod val="75000"/>
+                </a:schemeClr>
+              </a:solidFill>
+              <a:ln>
                 <a:solidFill>
-                  <a:schemeClr val="accent6">
-                    <a:lumMod val="75000"/>
-                  </a:schemeClr>
+                  <a:schemeClr val="bg1"/>
                 </a:solidFill>
-              </a:rPr>
-            </a:br>
-            <a:r>
-              <a:rPr lang="en-US" sz="1400" dirty="0">
-                <a:solidFill>
-                  <a:schemeClr val="accent6">
-                    <a:lumMod val="75000"/>
-                  </a:schemeClr>
-                </a:solidFill>
-              </a:rPr>
-              <a:t>to file</a:t>
-            </a:r>
-          </a:p>
-        </p:txBody>
-      </p:sp>
-      <p:cxnSp>
-        <p:nvCxnSpPr>
-          <p:cNvPr id="78" name="Straight Arrow Connector 77">
-            <a:extLst>
-              <a:ext uri="{FF2B5EF4-FFF2-40B4-BE49-F238E27FC236}">
-                <a16:creationId xmlns:a16="http://schemas.microsoft.com/office/drawing/2014/main" id="{4AB8DFA2-C3DE-4CDF-82C8-BDE3320A5C3E}"/>
-              </a:ext>
-            </a:extLst>
-          </p:cNvPr>
-          <p:cNvCxnSpPr>
-            <a:cxnSpLocks/>
-          </p:cNvCxnSpPr>
-          <p:nvPr/>
-        </p:nvCxnSpPr>
-        <p:spPr>
-          <a:xfrm flipV="1">
-            <a:off x="4203433" y="3883131"/>
-            <a:ext cx="3144005" cy="1"/>
-          </a:xfrm>
-          <a:prstGeom prst="straightConnector1">
-            <a:avLst/>
-          </a:prstGeom>
-          <a:ln w="19050">
-            <a:solidFill>
-              <a:srgbClr val="0070C0"/>
-            </a:solidFill>
-            <a:tailEnd type="arrow"/>
-          </a:ln>
-        </p:spPr>
-        <p:style>
-          <a:lnRef idx="1">
-            <a:schemeClr val="accent1"/>
-          </a:lnRef>
-          <a:fillRef idx="0">
-            <a:schemeClr val="accent1"/>
-          </a:fillRef>
-          <a:effectRef idx="0">
-            <a:schemeClr val="accent1"/>
-          </a:effectRef>
-          <a:fontRef idx="minor">
-            <a:schemeClr val="tx1"/>
-          </a:fontRef>
-        </p:style>
-      </p:cxnSp>
+              </a:ln>
+              <a:effectLst/>
+            </p:spPr>
+            <p:style>
+              <a:lnRef idx="1">
+                <a:schemeClr val="accent3"/>
+              </a:lnRef>
+              <a:fillRef idx="2">
+                <a:schemeClr val="accent3"/>
+              </a:fillRef>
+              <a:effectRef idx="1">
+                <a:schemeClr val="accent3"/>
+              </a:effectRef>
+              <a:fontRef idx="minor">
+                <a:schemeClr val="dk1"/>
+              </a:fontRef>
+            </p:style>
+            <p:txBody>
+              <a:bodyPr rtlCol="0" anchor="ctr"/>
+              <a:lstStyle/>
+              <a:p>
+                <a:pPr algn="ctr"/>
+                <a:endParaRPr lang="en-SG" sz="1400"/>
+              </a:p>
+            </p:txBody>
+          </p:sp>
+        </p:grpSp>
+        <p:sp>
+          <p:nvSpPr>
+            <p:cNvPr id="61" name="TextBox 60"/>
+            <p:cNvSpPr txBox="1"/>
+            <p:nvPr/>
+          </p:nvSpPr>
+          <p:spPr>
+            <a:xfrm>
+              <a:off x="7730090" y="3724480"/>
+              <a:ext cx="539047" cy="430887"/>
+            </a:xfrm>
+            <a:prstGeom prst="rect">
+              <a:avLst/>
+            </a:prstGeom>
+            <a:noFill/>
+          </p:spPr>
+          <p:txBody>
+            <a:bodyPr wrap="square" lIns="0" tIns="0" rIns="0" bIns="0" rtlCol="0">
+              <a:spAutoFit/>
+            </a:bodyPr>
+            <a:lstStyle/>
+            <a:p>
+              <a:r>
+                <a:rPr lang="en-US" sz="1400" dirty="0">
+                  <a:solidFill>
+                    <a:schemeClr val="accent6">
+                      <a:lumMod val="75000"/>
+                    </a:schemeClr>
+                  </a:solidFill>
+                </a:rPr>
+                <a:t>Save </a:t>
+              </a:r>
+              <a:br>
+                <a:rPr lang="en-US" sz="1400" dirty="0">
+                  <a:solidFill>
+                    <a:schemeClr val="accent6">
+                      <a:lumMod val="75000"/>
+                    </a:schemeClr>
+                  </a:solidFill>
+                </a:rPr>
+              </a:br>
+              <a:r>
+                <a:rPr lang="en-US" sz="1400" dirty="0">
+                  <a:solidFill>
+                    <a:schemeClr val="accent6">
+                      <a:lumMod val="75000"/>
+                    </a:schemeClr>
+                  </a:solidFill>
+                </a:rPr>
+                <a:t>to file</a:t>
+              </a:r>
+            </a:p>
+          </p:txBody>
+        </p:sp>
+        <p:cxnSp>
+          <p:nvCxnSpPr>
+            <p:cNvPr id="78" name="Straight Arrow Connector 77">
+              <a:extLst>
+                <a:ext uri="{FF2B5EF4-FFF2-40B4-BE49-F238E27FC236}">
+                  <a16:creationId xmlns:a16="http://schemas.microsoft.com/office/drawing/2014/main" id="{4AB8DFA2-C3DE-4CDF-82C8-BDE3320A5C3E}"/>
+                </a:ext>
+              </a:extLst>
+            </p:cNvPr>
+            <p:cNvCxnSpPr>
+              <a:cxnSpLocks/>
+            </p:cNvCxnSpPr>
+            <p:nvPr/>
+          </p:nvCxnSpPr>
+          <p:spPr>
+            <a:xfrm flipV="1">
+              <a:off x="4203433" y="3883131"/>
+              <a:ext cx="3144005" cy="1"/>
+            </a:xfrm>
+            <a:prstGeom prst="straightConnector1">
+              <a:avLst/>
+            </a:prstGeom>
+            <a:ln w="19050">
+              <a:solidFill>
+                <a:srgbClr val="0070C0"/>
+              </a:solidFill>
+              <a:tailEnd type="arrow"/>
+            </a:ln>
+          </p:spPr>
+          <p:style>
+            <a:lnRef idx="1">
+              <a:schemeClr val="accent1"/>
+            </a:lnRef>
+            <a:fillRef idx="0">
+              <a:schemeClr val="accent1"/>
+            </a:fillRef>
+            <a:effectRef idx="0">
+              <a:schemeClr val="accent1"/>
+            </a:effectRef>
+            <a:fontRef idx="minor">
+              <a:schemeClr val="tx1"/>
+            </a:fontRef>
+          </p:style>
+        </p:cxnSp>
+      </p:grpSp>
     </p:spTree>
     <p:extLst>
       <p:ext uri="{BB962C8B-B14F-4D97-AF65-F5344CB8AC3E}">
